--- a/presentations/02_02_Functions.pptx
+++ b/presentations/02_02_Functions.pptx
@@ -5,10 +5,10 @@
     <p:sldMasterId id="2147484030" r:id="rId5"/>
   </p:sldMasterIdLst>
   <p:notesMasterIdLst>
-    <p:notesMasterId r:id="rId25"/>
+    <p:notesMasterId r:id="rId20"/>
   </p:notesMasterIdLst>
   <p:handoutMasterIdLst>
-    <p:handoutMasterId r:id="rId26"/>
+    <p:handoutMasterId r:id="rId21"/>
   </p:handoutMasterIdLst>
   <p:sldIdLst>
     <p:sldId id="10465" r:id="rId6"/>
@@ -24,17 +24,12 @@
     <p:sldId id="10589" r:id="rId16"/>
     <p:sldId id="10605" r:id="rId17"/>
     <p:sldId id="10609" r:id="rId18"/>
-    <p:sldId id="10588" r:id="rId19"/>
-    <p:sldId id="10593" r:id="rId20"/>
-    <p:sldId id="10595" r:id="rId21"/>
-    <p:sldId id="10597" r:id="rId22"/>
-    <p:sldId id="10596" r:id="rId23"/>
-    <p:sldId id="10599" r:id="rId24"/>
+    <p:sldId id="10610" r:id="rId19"/>
   </p:sldIdLst>
   <p:sldSz cx="9144000" cy="5143500" type="screen16x9"/>
   <p:notesSz cx="9931400" cy="6794500"/>
   <p:custDataLst>
-    <p:tags r:id="rId27"/>
+    <p:tags r:id="rId22"/>
   </p:custDataLst>
   <p:defaultTextStyle>
     <a:defPPr>
@@ -7278,496 +7273,7 @@
     </p:spTree>
     <p:extLst>
       <p:ext uri="{BB962C8B-B14F-4D97-AF65-F5344CB8AC3E}">
-        <p14:creationId xmlns:p14="http://schemas.microsoft.com/office/powerpoint/2010/main" val="3080513819"/>
-      </p:ext>
-    </p:extLst>
-  </p:cSld>
-  <p:clrMapOvr>
-    <a:masterClrMapping/>
-  </p:clrMapOvr>
-</p:notes>
-</file>
-
-<file path=ppt/notesSlides/notesSlide14.xml><?xml version="1.0" encoding="utf-8"?>
-<p:notes xmlns:a="http://schemas.openxmlformats.org/drawingml/2006/main" xmlns:r="http://schemas.openxmlformats.org/officeDocument/2006/relationships" xmlns:p="http://schemas.openxmlformats.org/presentationml/2006/main">
-  <p:cSld>
-    <p:spTree>
-      <p:nvGrpSpPr>
-        <p:cNvPr id="1" name=""/>
-        <p:cNvGrpSpPr/>
-        <p:nvPr/>
-      </p:nvGrpSpPr>
-      <p:grpSpPr>
-        <a:xfrm>
-          <a:off x="0" y="0"/>
-          <a:ext cx="0" cy="0"/>
-          <a:chOff x="0" y="0"/>
-          <a:chExt cx="0" cy="0"/>
-        </a:xfrm>
-      </p:grpSpPr>
-      <p:sp>
-        <p:nvSpPr>
-          <p:cNvPr id="2" name="Folienbildplatzhalter 1"/>
-          <p:cNvSpPr>
-            <a:spLocks noGrp="1" noRot="1" noChangeAspect="1"/>
-          </p:cNvSpPr>
-          <p:nvPr>
-            <p:ph type="sldImg"/>
-          </p:nvPr>
-        </p:nvSpPr>
-        <p:spPr/>
-      </p:sp>
-      <p:sp>
-        <p:nvSpPr>
-          <p:cNvPr id="3" name="Notizenplatzhalter 2"/>
-          <p:cNvSpPr>
-            <a:spLocks noGrp="1"/>
-          </p:cNvSpPr>
-          <p:nvPr>
-            <p:ph type="body" idx="1"/>
-          </p:nvPr>
-        </p:nvSpPr>
-        <p:spPr/>
-        <p:txBody>
-          <a:bodyPr/>
-          <a:lstStyle/>
-          <a:p>
-            <a:endParaRPr lang="de-CH" dirty="0"/>
-          </a:p>
-          <a:p>
-            <a:endParaRPr lang="de-CH" dirty="0"/>
-          </a:p>
-        </p:txBody>
-      </p:sp>
-      <p:sp>
-        <p:nvSpPr>
-          <p:cNvPr id="4" name="Foliennummernplatzhalter 3"/>
-          <p:cNvSpPr>
-            <a:spLocks noGrp="1"/>
-          </p:cNvSpPr>
-          <p:nvPr>
-            <p:ph type="sldNum" sz="quarter" idx="5"/>
-          </p:nvPr>
-        </p:nvSpPr>
-        <p:spPr/>
-        <p:txBody>
-          <a:bodyPr/>
-          <a:lstStyle/>
-          <a:p>
-            <a:fld id="{BE65CCB5-C8E4-4ED3-A5C3-0FE3DE15867E}" type="slidenum">
-              <a:rPr lang="de-CH" smtClean="0"/>
-              <a:t>15</a:t>
-            </a:fld>
-            <a:endParaRPr lang="de-CH"/>
-          </a:p>
-        </p:txBody>
-      </p:sp>
-    </p:spTree>
-    <p:extLst>
-      <p:ext uri="{BB962C8B-B14F-4D97-AF65-F5344CB8AC3E}">
-        <p14:creationId xmlns:p14="http://schemas.microsoft.com/office/powerpoint/2010/main" val="869376458"/>
-      </p:ext>
-    </p:extLst>
-  </p:cSld>
-  <p:clrMapOvr>
-    <a:masterClrMapping/>
-  </p:clrMapOvr>
-</p:notes>
-</file>
-
-<file path=ppt/notesSlides/notesSlide15.xml><?xml version="1.0" encoding="utf-8"?>
-<p:notes xmlns:a="http://schemas.openxmlformats.org/drawingml/2006/main" xmlns:r="http://schemas.openxmlformats.org/officeDocument/2006/relationships" xmlns:p="http://schemas.openxmlformats.org/presentationml/2006/main">
-  <p:cSld>
-    <p:spTree>
-      <p:nvGrpSpPr>
-        <p:cNvPr id="1" name=""/>
-        <p:cNvGrpSpPr/>
-        <p:nvPr/>
-      </p:nvGrpSpPr>
-      <p:grpSpPr>
-        <a:xfrm>
-          <a:off x="0" y="0"/>
-          <a:ext cx="0" cy="0"/>
-          <a:chOff x="0" y="0"/>
-          <a:chExt cx="0" cy="0"/>
-        </a:xfrm>
-      </p:grpSpPr>
-      <p:sp>
-        <p:nvSpPr>
-          <p:cNvPr id="2" name="Folienbildplatzhalter 1"/>
-          <p:cNvSpPr>
-            <a:spLocks noGrp="1" noRot="1" noChangeAspect="1"/>
-          </p:cNvSpPr>
-          <p:nvPr>
-            <p:ph type="sldImg"/>
-          </p:nvPr>
-        </p:nvSpPr>
-        <p:spPr/>
-      </p:sp>
-      <p:sp>
-        <p:nvSpPr>
-          <p:cNvPr id="3" name="Notizenplatzhalter 2"/>
-          <p:cNvSpPr>
-            <a:spLocks noGrp="1"/>
-          </p:cNvSpPr>
-          <p:nvPr>
-            <p:ph type="body" idx="1"/>
-          </p:nvPr>
-        </p:nvSpPr>
-        <p:spPr/>
-        <p:txBody>
-          <a:bodyPr/>
-          <a:lstStyle/>
-          <a:p>
-            <a:r>
-              <a:rPr lang="de-CH" dirty="0"/>
-              <a:t>Description </a:t>
-            </a:r>
-            <a:r>
-              <a:rPr lang="de-CH" dirty="0" err="1"/>
-              <a:t>about</a:t>
-            </a:r>
-            <a:r>
-              <a:rPr lang="de-CH" dirty="0"/>
-              <a:t> </a:t>
-            </a:r>
-            <a:r>
-              <a:rPr lang="de-CH" dirty="0" err="1"/>
-              <a:t>our</a:t>
-            </a:r>
-            <a:r>
-              <a:rPr lang="de-CH" dirty="0"/>
-              <a:t> </a:t>
-            </a:r>
-            <a:r>
-              <a:rPr lang="de-CH" dirty="0" err="1"/>
-              <a:t>chart</a:t>
-            </a:r>
-            <a:endParaRPr lang="de-CH" dirty="0"/>
-          </a:p>
-          <a:p>
-            <a:endParaRPr lang="de-CH" dirty="0"/>
-          </a:p>
-          <a:p>
-            <a:endParaRPr lang="de-CH" dirty="0"/>
-          </a:p>
-        </p:txBody>
-      </p:sp>
-      <p:sp>
-        <p:nvSpPr>
-          <p:cNvPr id="4" name="Foliennummernplatzhalter 3"/>
-          <p:cNvSpPr>
-            <a:spLocks noGrp="1"/>
-          </p:cNvSpPr>
-          <p:nvPr>
-            <p:ph type="sldNum" sz="quarter" idx="5"/>
-          </p:nvPr>
-        </p:nvSpPr>
-        <p:spPr/>
-        <p:txBody>
-          <a:bodyPr/>
-          <a:lstStyle/>
-          <a:p>
-            <a:fld id="{BE65CCB5-C8E4-4ED3-A5C3-0FE3DE15867E}" type="slidenum">
-              <a:rPr lang="de-CH" smtClean="0"/>
-              <a:t>16</a:t>
-            </a:fld>
-            <a:endParaRPr lang="de-CH"/>
-          </a:p>
-        </p:txBody>
-      </p:sp>
-    </p:spTree>
-    <p:extLst>
-      <p:ext uri="{BB962C8B-B14F-4D97-AF65-F5344CB8AC3E}">
-        <p14:creationId xmlns:p14="http://schemas.microsoft.com/office/powerpoint/2010/main" val="462895121"/>
-      </p:ext>
-    </p:extLst>
-  </p:cSld>
-  <p:clrMapOvr>
-    <a:masterClrMapping/>
-  </p:clrMapOvr>
-</p:notes>
-</file>
-
-<file path=ppt/notesSlides/notesSlide16.xml><?xml version="1.0" encoding="utf-8"?>
-<p:notes xmlns:a="http://schemas.openxmlformats.org/drawingml/2006/main" xmlns:r="http://schemas.openxmlformats.org/officeDocument/2006/relationships" xmlns:p="http://schemas.openxmlformats.org/presentationml/2006/main">
-  <p:cSld>
-    <p:spTree>
-      <p:nvGrpSpPr>
-        <p:cNvPr id="1" name=""/>
-        <p:cNvGrpSpPr/>
-        <p:nvPr/>
-      </p:nvGrpSpPr>
-      <p:grpSpPr>
-        <a:xfrm>
-          <a:off x="0" y="0"/>
-          <a:ext cx="0" cy="0"/>
-          <a:chOff x="0" y="0"/>
-          <a:chExt cx="0" cy="0"/>
-        </a:xfrm>
-      </p:grpSpPr>
-      <p:sp>
-        <p:nvSpPr>
-          <p:cNvPr id="2" name="Folienbildplatzhalter 1"/>
-          <p:cNvSpPr>
-            <a:spLocks noGrp="1" noRot="1" noChangeAspect="1"/>
-          </p:cNvSpPr>
-          <p:nvPr>
-            <p:ph type="sldImg"/>
-          </p:nvPr>
-        </p:nvSpPr>
-        <p:spPr/>
-      </p:sp>
-      <p:sp>
-        <p:nvSpPr>
-          <p:cNvPr id="3" name="Notizenplatzhalter 2"/>
-          <p:cNvSpPr>
-            <a:spLocks noGrp="1"/>
-          </p:cNvSpPr>
-          <p:nvPr>
-            <p:ph type="body" idx="1"/>
-          </p:nvPr>
-        </p:nvSpPr>
-        <p:spPr/>
-        <p:txBody>
-          <a:bodyPr/>
-          <a:lstStyle/>
-          <a:p>
-            <a:endParaRPr lang="de-CH" dirty="0"/>
-          </a:p>
-          <a:p>
-            <a:endParaRPr lang="de-CH" dirty="0"/>
-          </a:p>
-        </p:txBody>
-      </p:sp>
-      <p:sp>
-        <p:nvSpPr>
-          <p:cNvPr id="4" name="Foliennummernplatzhalter 3"/>
-          <p:cNvSpPr>
-            <a:spLocks noGrp="1"/>
-          </p:cNvSpPr>
-          <p:nvPr>
-            <p:ph type="sldNum" sz="quarter" idx="5"/>
-          </p:nvPr>
-        </p:nvSpPr>
-        <p:spPr/>
-        <p:txBody>
-          <a:bodyPr/>
-          <a:lstStyle/>
-          <a:p>
-            <a:fld id="{BE65CCB5-C8E4-4ED3-A5C3-0FE3DE15867E}" type="slidenum">
-              <a:rPr lang="de-CH" smtClean="0"/>
-              <a:t>17</a:t>
-            </a:fld>
-            <a:endParaRPr lang="de-CH"/>
-          </a:p>
-        </p:txBody>
-      </p:sp>
-    </p:spTree>
-    <p:extLst>
-      <p:ext uri="{BB962C8B-B14F-4D97-AF65-F5344CB8AC3E}">
-        <p14:creationId xmlns:p14="http://schemas.microsoft.com/office/powerpoint/2010/main" val="562993226"/>
-      </p:ext>
-    </p:extLst>
-  </p:cSld>
-  <p:clrMapOvr>
-    <a:masterClrMapping/>
-  </p:clrMapOvr>
-</p:notes>
-</file>
-
-<file path=ppt/notesSlides/notesSlide17.xml><?xml version="1.0" encoding="utf-8"?>
-<p:notes xmlns:a="http://schemas.openxmlformats.org/drawingml/2006/main" xmlns:r="http://schemas.openxmlformats.org/officeDocument/2006/relationships" xmlns:p="http://schemas.openxmlformats.org/presentationml/2006/main">
-  <p:cSld>
-    <p:spTree>
-      <p:nvGrpSpPr>
-        <p:cNvPr id="1" name=""/>
-        <p:cNvGrpSpPr/>
-        <p:nvPr/>
-      </p:nvGrpSpPr>
-      <p:grpSpPr>
-        <a:xfrm>
-          <a:off x="0" y="0"/>
-          <a:ext cx="0" cy="0"/>
-          <a:chOff x="0" y="0"/>
-          <a:chExt cx="0" cy="0"/>
-        </a:xfrm>
-      </p:grpSpPr>
-      <p:sp>
-        <p:nvSpPr>
-          <p:cNvPr id="2" name="Folienbildplatzhalter 1"/>
-          <p:cNvSpPr>
-            <a:spLocks noGrp="1" noRot="1" noChangeAspect="1"/>
-          </p:cNvSpPr>
-          <p:nvPr>
-            <p:ph type="sldImg"/>
-          </p:nvPr>
-        </p:nvSpPr>
-        <p:spPr/>
-      </p:sp>
-      <p:sp>
-        <p:nvSpPr>
-          <p:cNvPr id="3" name="Notizenplatzhalter 2"/>
-          <p:cNvSpPr>
-            <a:spLocks noGrp="1"/>
-          </p:cNvSpPr>
-          <p:nvPr>
-            <p:ph type="body" idx="1"/>
-          </p:nvPr>
-        </p:nvSpPr>
-        <p:spPr/>
-        <p:txBody>
-          <a:bodyPr/>
-          <a:lstStyle/>
-          <a:p>
-            <a:endParaRPr lang="de-CH" dirty="0"/>
-          </a:p>
-          <a:p>
-            <a:endParaRPr lang="de-CH" dirty="0"/>
-          </a:p>
-        </p:txBody>
-      </p:sp>
-      <p:sp>
-        <p:nvSpPr>
-          <p:cNvPr id="4" name="Foliennummernplatzhalter 3"/>
-          <p:cNvSpPr>
-            <a:spLocks noGrp="1"/>
-          </p:cNvSpPr>
-          <p:nvPr>
-            <p:ph type="sldNum" sz="quarter" idx="5"/>
-          </p:nvPr>
-        </p:nvSpPr>
-        <p:spPr/>
-        <p:txBody>
-          <a:bodyPr/>
-          <a:lstStyle/>
-          <a:p>
-            <a:fld id="{BE65CCB5-C8E4-4ED3-A5C3-0FE3DE15867E}" type="slidenum">
-              <a:rPr lang="de-CH" smtClean="0"/>
-              <a:t>18</a:t>
-            </a:fld>
-            <a:endParaRPr lang="de-CH"/>
-          </a:p>
-        </p:txBody>
-      </p:sp>
-    </p:spTree>
-    <p:extLst>
-      <p:ext uri="{BB962C8B-B14F-4D97-AF65-F5344CB8AC3E}">
-        <p14:creationId xmlns:p14="http://schemas.microsoft.com/office/powerpoint/2010/main" val="1758212620"/>
-      </p:ext>
-    </p:extLst>
-  </p:cSld>
-  <p:clrMapOvr>
-    <a:masterClrMapping/>
-  </p:clrMapOvr>
-</p:notes>
-</file>
-
-<file path=ppt/notesSlides/notesSlide18.xml><?xml version="1.0" encoding="utf-8"?>
-<p:notes xmlns:a="http://schemas.openxmlformats.org/drawingml/2006/main" xmlns:r="http://schemas.openxmlformats.org/officeDocument/2006/relationships" xmlns:p="http://schemas.openxmlformats.org/presentationml/2006/main">
-  <p:cSld>
-    <p:spTree>
-      <p:nvGrpSpPr>
-        <p:cNvPr id="1" name=""/>
-        <p:cNvGrpSpPr/>
-        <p:nvPr/>
-      </p:nvGrpSpPr>
-      <p:grpSpPr>
-        <a:xfrm>
-          <a:off x="0" y="0"/>
-          <a:ext cx="0" cy="0"/>
-          <a:chOff x="0" y="0"/>
-          <a:chExt cx="0" cy="0"/>
-        </a:xfrm>
-      </p:grpSpPr>
-      <p:sp>
-        <p:nvSpPr>
-          <p:cNvPr id="2" name="Folienbildplatzhalter 1"/>
-          <p:cNvSpPr>
-            <a:spLocks noGrp="1" noRot="1" noChangeAspect="1"/>
-          </p:cNvSpPr>
-          <p:nvPr>
-            <p:ph type="sldImg"/>
-          </p:nvPr>
-        </p:nvSpPr>
-        <p:spPr/>
-      </p:sp>
-      <p:sp>
-        <p:nvSpPr>
-          <p:cNvPr id="3" name="Notizenplatzhalter 2"/>
-          <p:cNvSpPr>
-            <a:spLocks noGrp="1"/>
-          </p:cNvSpPr>
-          <p:nvPr>
-            <p:ph type="body" idx="1"/>
-          </p:nvPr>
-        </p:nvSpPr>
-        <p:spPr/>
-        <p:txBody>
-          <a:bodyPr/>
-          <a:lstStyle/>
-          <a:p>
-            <a:r>
-              <a:rPr lang="de-CH" dirty="0"/>
-              <a:t>Description </a:t>
-            </a:r>
-            <a:r>
-              <a:rPr lang="de-CH" dirty="0" err="1"/>
-              <a:t>about</a:t>
-            </a:r>
-            <a:r>
-              <a:rPr lang="de-CH" dirty="0"/>
-              <a:t> </a:t>
-            </a:r>
-            <a:r>
-              <a:rPr lang="de-CH" dirty="0" err="1"/>
-              <a:t>our</a:t>
-            </a:r>
-            <a:r>
-              <a:rPr lang="de-CH" dirty="0"/>
-              <a:t> </a:t>
-            </a:r>
-            <a:r>
-              <a:rPr lang="de-CH" dirty="0" err="1"/>
-              <a:t>chart</a:t>
-            </a:r>
-            <a:endParaRPr lang="de-CH" dirty="0"/>
-          </a:p>
-          <a:p>
-            <a:endParaRPr lang="de-CH" dirty="0"/>
-          </a:p>
-          <a:p>
-            <a:endParaRPr lang="de-CH" dirty="0"/>
-          </a:p>
-        </p:txBody>
-      </p:sp>
-      <p:sp>
-        <p:nvSpPr>
-          <p:cNvPr id="4" name="Foliennummernplatzhalter 3"/>
-          <p:cNvSpPr>
-            <a:spLocks noGrp="1"/>
-          </p:cNvSpPr>
-          <p:nvPr>
-            <p:ph type="sldNum" sz="quarter" idx="5"/>
-          </p:nvPr>
-        </p:nvSpPr>
-        <p:spPr/>
-        <p:txBody>
-          <a:bodyPr/>
-          <a:lstStyle/>
-          <a:p>
-            <a:fld id="{BE65CCB5-C8E4-4ED3-A5C3-0FE3DE15867E}" type="slidenum">
-              <a:rPr lang="de-CH" smtClean="0"/>
-              <a:t>19</a:t>
-            </a:fld>
-            <a:endParaRPr lang="de-CH"/>
-          </a:p>
-        </p:txBody>
-      </p:sp>
-    </p:spTree>
-    <p:extLst>
-      <p:ext uri="{BB962C8B-B14F-4D97-AF65-F5344CB8AC3E}">
-        <p14:creationId xmlns:p14="http://schemas.microsoft.com/office/powerpoint/2010/main" val="2966832406"/>
+        <p14:creationId xmlns:p14="http://schemas.microsoft.com/office/powerpoint/2010/main" val="167355414"/>
       </p:ext>
     </p:extLst>
   </p:cSld>
@@ -25169,6 +24675,110 @@
           </a:prstGeom>
         </p:spPr>
       </p:pic>
+      <p:sp>
+        <p:nvSpPr>
+          <p:cNvPr id="3" name="Pfeil nach links 2">
+            <a:extLst>
+              <a:ext uri="{FF2B5EF4-FFF2-40B4-BE49-F238E27FC236}">
+                <a16:creationId xmlns:a16="http://schemas.microsoft.com/office/drawing/2014/main" id="{1C8B0172-FE10-2060-35B3-9EC8B4CED28F}"/>
+              </a:ext>
+            </a:extLst>
+          </p:cNvPr>
+          <p:cNvSpPr/>
+          <p:nvPr/>
+        </p:nvSpPr>
+        <p:spPr>
+          <a:xfrm rot="10800000">
+            <a:off x="3293673" y="2180519"/>
+            <a:ext cx="651595" cy="420761"/>
+          </a:xfrm>
+          <a:prstGeom prst="leftArrow">
+            <a:avLst/>
+          </a:prstGeom>
+          <a:solidFill>
+            <a:schemeClr val="accent5"/>
+          </a:solidFill>
+          <a:ln>
+            <a:noFill/>
+          </a:ln>
+        </p:spPr>
+        <p:style>
+          <a:lnRef idx="2">
+            <a:schemeClr val="accent1">
+              <a:shade val="50000"/>
+            </a:schemeClr>
+          </a:lnRef>
+          <a:fillRef idx="1">
+            <a:schemeClr val="accent1"/>
+          </a:fillRef>
+          <a:effectRef idx="0">
+            <a:schemeClr val="accent1"/>
+          </a:effectRef>
+          <a:fontRef idx="minor">
+            <a:schemeClr val="lt1"/>
+          </a:fontRef>
+        </p:style>
+        <p:txBody>
+          <a:bodyPr rtlCol="0" anchor="ctr"/>
+          <a:lstStyle/>
+          <a:p>
+            <a:pPr algn="ctr"/>
+            <a:endParaRPr lang="de-DE"/>
+          </a:p>
+        </p:txBody>
+      </p:sp>
+      <p:sp>
+        <p:nvSpPr>
+          <p:cNvPr id="4" name="Pfeil nach links 3">
+            <a:extLst>
+              <a:ext uri="{FF2B5EF4-FFF2-40B4-BE49-F238E27FC236}">
+                <a16:creationId xmlns:a16="http://schemas.microsoft.com/office/drawing/2014/main" id="{60C8EEDC-6B5B-E6FD-2AAA-A65FECFF71F0}"/>
+              </a:ext>
+            </a:extLst>
+          </p:cNvPr>
+          <p:cNvSpPr/>
+          <p:nvPr/>
+        </p:nvSpPr>
+        <p:spPr>
+          <a:xfrm rot="18688743">
+            <a:off x="6580181" y="3645764"/>
+            <a:ext cx="651595" cy="420761"/>
+          </a:xfrm>
+          <a:prstGeom prst="leftArrow">
+            <a:avLst/>
+          </a:prstGeom>
+          <a:solidFill>
+            <a:schemeClr val="accent5"/>
+          </a:solidFill>
+          <a:ln>
+            <a:noFill/>
+          </a:ln>
+        </p:spPr>
+        <p:style>
+          <a:lnRef idx="2">
+            <a:schemeClr val="accent1">
+              <a:shade val="50000"/>
+            </a:schemeClr>
+          </a:lnRef>
+          <a:fillRef idx="1">
+            <a:schemeClr val="accent1"/>
+          </a:fillRef>
+          <a:effectRef idx="0">
+            <a:schemeClr val="accent1"/>
+          </a:effectRef>
+          <a:fontRef idx="minor">
+            <a:schemeClr val="lt1"/>
+          </a:fontRef>
+        </p:style>
+        <p:txBody>
+          <a:bodyPr rtlCol="0" anchor="ctr"/>
+          <a:lstStyle/>
+          <a:p>
+            <a:pPr algn="ctr"/>
+            <a:endParaRPr lang="de-DE"/>
+          </a:p>
+        </p:txBody>
+      </p:sp>
     </p:spTree>
     <p:custDataLst>
       <p:tags r:id="rId1"/>
@@ -25289,61 +24899,7 @@
                 </a:solidFill>
                 <a:latin typeface="+mj-lt"/>
               </a:rPr>
-              <a:t>Helm – Chart – </a:t>
-            </a:r>
-            <a:r>
-              <a:rPr lang="de-DE" sz="3200" dirty="0" err="1">
-                <a:solidFill>
-                  <a:schemeClr val="bg1"/>
-                </a:solidFill>
-                <a:latin typeface="+mj-lt"/>
-              </a:rPr>
-              <a:t>Templating</a:t>
-            </a:r>
-            <a:r>
-              <a:rPr lang="de-DE" sz="3200" dirty="0">
-                <a:solidFill>
-                  <a:schemeClr val="bg1"/>
-                </a:solidFill>
-                <a:latin typeface="+mj-lt"/>
-              </a:rPr>
-              <a:t> </a:t>
-            </a:r>
-            <a:r>
-              <a:rPr lang="de-DE" sz="3200" dirty="0" err="1">
-                <a:solidFill>
-                  <a:schemeClr val="bg1"/>
-                </a:solidFill>
-                <a:latin typeface="+mj-lt"/>
-              </a:rPr>
-              <a:t>define</a:t>
-            </a:r>
-            <a:r>
-              <a:rPr lang="de-DE" sz="3200" dirty="0">
-                <a:solidFill>
-                  <a:schemeClr val="bg1"/>
-                </a:solidFill>
-                <a:latin typeface="+mj-lt"/>
-              </a:rPr>
-              <a:t> </a:t>
-            </a:r>
-            <a:r>
-              <a:rPr lang="de-DE" sz="3200" dirty="0" err="1">
-                <a:solidFill>
-                  <a:schemeClr val="bg1"/>
-                </a:solidFill>
-                <a:latin typeface="+mj-lt"/>
-              </a:rPr>
-              <a:t>blocks</a:t>
-            </a:r>
-            <a:r>
-              <a:rPr lang="de-DE" sz="3200" dirty="0">
-                <a:solidFill>
-                  <a:schemeClr val="bg1"/>
-                </a:solidFill>
-                <a:latin typeface="+mj-lt"/>
-              </a:rPr>
-              <a:t>  </a:t>
+              <a:t>Helm – Chart</a:t>
             </a:r>
           </a:p>
         </p:txBody>
@@ -25429,707 +24985,35 @@
           <a:lstStyle/>
           <a:p>
             <a:pPr algn="ctr"/>
-            <a:endParaRPr lang="de-DE" dirty="0"/>
-          </a:p>
-        </p:txBody>
-      </p:sp>
-      <p:pic>
-        <p:nvPicPr>
-          <p:cNvPr id="4" name="Grafik 3" descr="Ein Bild, das Text enthält.&#10;&#10;Automatisch generierte Beschreibung">
-            <a:extLst>
-              <a:ext uri="{FF2B5EF4-FFF2-40B4-BE49-F238E27FC236}">
-                <a16:creationId xmlns:a16="http://schemas.microsoft.com/office/drawing/2014/main" id="{810EB64F-AEC5-6F25-BC17-7A1DC28DE2B8}"/>
-              </a:ext>
-            </a:extLst>
-          </p:cNvPr>
-          <p:cNvPicPr>
-            <a:picLocks noChangeAspect="1"/>
-          </p:cNvPicPr>
-          <p:nvPr/>
-        </p:nvPicPr>
-        <p:blipFill>
-          <a:blip r:embed="rId5"/>
-          <a:stretch>
-            <a:fillRect/>
-          </a:stretch>
-        </p:blipFill>
-        <p:spPr>
-          <a:xfrm>
-            <a:off x="4306390" y="1489846"/>
-            <a:ext cx="3722370" cy="1800588"/>
-          </a:xfrm>
-          <a:prstGeom prst="rect">
-            <a:avLst/>
-          </a:prstGeom>
-        </p:spPr>
-      </p:pic>
-      <p:pic>
-        <p:nvPicPr>
-          <p:cNvPr id="6" name="Grafik 5">
-            <a:extLst>
-              <a:ext uri="{FF2B5EF4-FFF2-40B4-BE49-F238E27FC236}">
-                <a16:creationId xmlns:a16="http://schemas.microsoft.com/office/drawing/2014/main" id="{3210DB09-3860-5180-2B19-6460B3278DFF}"/>
-              </a:ext>
-            </a:extLst>
-          </p:cNvPr>
-          <p:cNvPicPr>
-            <a:picLocks noChangeAspect="1"/>
-          </p:cNvPicPr>
-          <p:nvPr/>
-        </p:nvPicPr>
-        <p:blipFill>
-          <a:blip r:embed="rId6"/>
-          <a:stretch>
-            <a:fillRect/>
-          </a:stretch>
-        </p:blipFill>
-        <p:spPr>
-          <a:xfrm>
-            <a:off x="2911888" y="3564345"/>
-            <a:ext cx="5514340" cy="363220"/>
-          </a:xfrm>
-          <a:prstGeom prst="rect">
-            <a:avLst/>
-          </a:prstGeom>
-        </p:spPr>
-      </p:pic>
-      <p:sp>
-        <p:nvSpPr>
-          <p:cNvPr id="9" name="Textfeld 8">
-            <a:extLst>
-              <a:ext uri="{FF2B5EF4-FFF2-40B4-BE49-F238E27FC236}">
-                <a16:creationId xmlns:a16="http://schemas.microsoft.com/office/drawing/2014/main" id="{77242DFB-0F1D-A79F-08FD-4CF2C6C1CC99}"/>
-              </a:ext>
-            </a:extLst>
-          </p:cNvPr>
-          <p:cNvSpPr txBox="1"/>
-          <p:nvPr/>
-        </p:nvSpPr>
-        <p:spPr>
-          <a:xfrm>
-            <a:off x="991924" y="1579155"/>
-            <a:ext cx="5448692" cy="369332"/>
-          </a:xfrm>
-          <a:prstGeom prst="rect">
-            <a:avLst/>
-          </a:prstGeom>
-          <a:noFill/>
-        </p:spPr>
-        <p:txBody>
-          <a:bodyPr wrap="square">
-            <a:spAutoFit/>
-          </a:bodyPr>
-          <a:lstStyle/>
-          <a:p>
-            <a:r>
-              <a:rPr lang="de-DE" dirty="0" err="1"/>
-              <a:t>helper.tpl</a:t>
-            </a:r>
-            <a:endParaRPr lang="de-DE" dirty="0"/>
-          </a:p>
-        </p:txBody>
-      </p:sp>
-      <p:sp>
-        <p:nvSpPr>
-          <p:cNvPr id="10" name="Textfeld 9">
-            <a:extLst>
-              <a:ext uri="{FF2B5EF4-FFF2-40B4-BE49-F238E27FC236}">
-                <a16:creationId xmlns:a16="http://schemas.microsoft.com/office/drawing/2014/main" id="{251D1EE8-52FE-4822-4289-0AD854402171}"/>
-              </a:ext>
-            </a:extLst>
-          </p:cNvPr>
-          <p:cNvSpPr txBox="1"/>
-          <p:nvPr/>
-        </p:nvSpPr>
-        <p:spPr>
-          <a:xfrm>
-            <a:off x="646484" y="3543394"/>
-            <a:ext cx="5448692" cy="369332"/>
-          </a:xfrm>
-          <a:prstGeom prst="rect">
-            <a:avLst/>
-          </a:prstGeom>
-          <a:noFill/>
-        </p:spPr>
-        <p:txBody>
-          <a:bodyPr wrap="square">
-            <a:spAutoFit/>
-          </a:bodyPr>
-          <a:lstStyle/>
-          <a:p>
-            <a:r>
-              <a:rPr lang="de-DE" dirty="0" err="1"/>
-              <a:t>deplyoment.yaml</a:t>
-            </a:r>
-            <a:endParaRPr lang="de-DE" dirty="0"/>
-          </a:p>
-        </p:txBody>
-      </p:sp>
-    </p:spTree>
-    <p:custDataLst>
-      <p:tags r:id="rId1"/>
-    </p:custDataLst>
-    <p:extLst>
-      <p:ext uri="{BB962C8B-B14F-4D97-AF65-F5344CB8AC3E}">
-        <p14:creationId xmlns:p14="http://schemas.microsoft.com/office/powerpoint/2010/main" val="1224039965"/>
-      </p:ext>
-    </p:extLst>
-  </p:cSld>
-  <p:clrMapOvr>
-    <a:masterClrMapping/>
-  </p:clrMapOvr>
-</p:sld>
-</file>
-
-<file path=ppt/slides/slide15.xml><?xml version="1.0" encoding="utf-8"?>
-<p:sld xmlns:a="http://schemas.openxmlformats.org/drawingml/2006/main" xmlns:r="http://schemas.openxmlformats.org/officeDocument/2006/relationships" xmlns:p="http://schemas.openxmlformats.org/presentationml/2006/main">
-  <p:cSld>
-    <p:spTree>
-      <p:nvGrpSpPr>
-        <p:cNvPr id="1" name=""/>
-        <p:cNvGrpSpPr/>
-        <p:nvPr/>
-      </p:nvGrpSpPr>
-      <p:grpSpPr>
-        <a:xfrm>
-          <a:off x="0" y="0"/>
-          <a:ext cx="0" cy="0"/>
-          <a:chOff x="0" y="0"/>
-          <a:chExt cx="0" cy="0"/>
-        </a:xfrm>
-      </p:grpSpPr>
-      <p:pic>
-        <p:nvPicPr>
-          <p:cNvPr id="37" name="Picture 2" descr="C:\Users\ses\Desktop\ti8m_logo_2014_CMYK.png">
-            <a:extLst>
-              <a:ext uri="{FF2B5EF4-FFF2-40B4-BE49-F238E27FC236}">
-                <a16:creationId xmlns:a16="http://schemas.microsoft.com/office/drawing/2014/main" id="{C266C303-516D-2245-88FB-5B3B9717F8F5}"/>
-              </a:ext>
-            </a:extLst>
-          </p:cNvPr>
-          <p:cNvPicPr preferRelativeResize="0">
-            <a:picLocks noChangeAspect="1" noChangeArrowheads="1"/>
-          </p:cNvPicPr>
-          <p:nvPr/>
-        </p:nvPicPr>
-        <p:blipFill rotWithShape="1">
-          <a:blip r:embed="rId4" cstate="email">
-            <a:biLevel thresh="25000"/>
-            <a:alphaModFix/>
-            <a:extLst>
-              <a:ext uri="{28A0092B-C50C-407E-A947-70E740481C1C}">
-                <a14:useLocalDpi xmlns:a14="http://schemas.microsoft.com/office/drawing/2010/main"/>
-              </a:ext>
-            </a:extLst>
-          </a:blip>
-          <a:srcRect b="20184"/>
-          <a:stretch/>
-        </p:blipFill>
-        <p:spPr bwMode="auto">
-          <a:xfrm>
-            <a:off x="8426228" y="4820335"/>
-            <a:ext cx="360000" cy="135854"/>
-          </a:xfrm>
-          <a:prstGeom prst="rect">
-            <a:avLst/>
-          </a:prstGeom>
-          <a:noFill/>
-          <a:extLst>
-            <a:ext uri="{909E8E84-426E-40DD-AFC4-6F175D3DCCD1}">
-              <a14:hiddenFill xmlns:a14="http://schemas.microsoft.com/office/drawing/2010/main">
-                <a:solidFill>
-                  <a:srgbClr val="FFFFFF"/>
-                </a:solidFill>
-              </a14:hiddenFill>
-            </a:ext>
-          </a:extLst>
-        </p:spPr>
-      </p:pic>
-      <p:sp>
-        <p:nvSpPr>
-          <p:cNvPr id="15" name="Textfeld 14">
-            <a:extLst>
-              <a:ext uri="{FF2B5EF4-FFF2-40B4-BE49-F238E27FC236}">
-                <a16:creationId xmlns:a16="http://schemas.microsoft.com/office/drawing/2014/main" id="{1BD9B7C1-5860-C447-7FC6-D510200F75A2}"/>
-              </a:ext>
-            </a:extLst>
-          </p:cNvPr>
-          <p:cNvSpPr txBox="1"/>
-          <p:nvPr/>
-        </p:nvSpPr>
-        <p:spPr>
-          <a:xfrm>
-            <a:off x="354210" y="590573"/>
-            <a:ext cx="7674550" cy="492443"/>
-          </a:xfrm>
-          <a:prstGeom prst="rect">
-            <a:avLst/>
-          </a:prstGeom>
-          <a:noFill/>
-        </p:spPr>
-        <p:txBody>
-          <a:bodyPr wrap="square" lIns="0" tIns="0" rIns="0" bIns="0" rtlCol="0">
-            <a:spAutoFit/>
-          </a:bodyPr>
-          <a:lstStyle/>
-          <a:p>
-            <a:pPr>
-              <a:spcAft>
-                <a:spcPts val="600"/>
-              </a:spcAft>
-            </a:pPr>
-            <a:r>
-              <a:rPr lang="de-DE" sz="3200" dirty="0">
-                <a:solidFill>
-                  <a:schemeClr val="bg1"/>
-                </a:solidFill>
-                <a:latin typeface="+mj-lt"/>
-              </a:rPr>
-              <a:t>Helm – Chart – Tests</a:t>
-            </a:r>
-          </a:p>
-        </p:txBody>
-      </p:sp>
-      <p:sp>
-        <p:nvSpPr>
-          <p:cNvPr id="2" name="Fußzeilenplatzhalter 6">
-            <a:extLst>
-              <a:ext uri="{FF2B5EF4-FFF2-40B4-BE49-F238E27FC236}">
-                <a16:creationId xmlns:a16="http://schemas.microsoft.com/office/drawing/2014/main" id="{A0B7C6DE-253F-0374-F735-8A4174830D91}"/>
-              </a:ext>
-            </a:extLst>
-          </p:cNvPr>
-          <p:cNvSpPr>
-            <a:spLocks noGrp="1"/>
-          </p:cNvSpPr>
-          <p:nvPr>
-            <p:ph type="ftr" sz="quarter" idx="3"/>
-          </p:nvPr>
-        </p:nvSpPr>
-        <p:spPr>
-          <a:xfrm>
-            <a:off x="354210" y="301275"/>
-            <a:ext cx="5580000" cy="139611"/>
-          </a:xfrm>
-        </p:spPr>
-        <p:txBody>
-          <a:bodyPr/>
-          <a:lstStyle/>
-          <a:p>
-            <a:r>
-              <a:rPr lang="de-CH" dirty="0"/>
-              <a:t>Helm</a:t>
-            </a:r>
-          </a:p>
-        </p:txBody>
-      </p:sp>
-      <p:sp>
-        <p:nvSpPr>
-          <p:cNvPr id="13" name="Rechteck 12">
-            <a:extLst>
-              <a:ext uri="{FF2B5EF4-FFF2-40B4-BE49-F238E27FC236}">
-                <a16:creationId xmlns:a16="http://schemas.microsoft.com/office/drawing/2014/main" id="{5732D903-9239-BAAE-756E-28573EF086BB}"/>
-              </a:ext>
-            </a:extLst>
-          </p:cNvPr>
-          <p:cNvSpPr/>
-          <p:nvPr/>
-        </p:nvSpPr>
-        <p:spPr>
-          <a:xfrm>
-            <a:off x="354210" y="1215935"/>
-            <a:ext cx="8432018" cy="3336992"/>
-          </a:xfrm>
-          <a:prstGeom prst="rect">
-            <a:avLst/>
-          </a:prstGeom>
-          <a:solidFill>
-            <a:schemeClr val="accent5"/>
-          </a:solidFill>
-          <a:ln>
-            <a:noFill/>
-          </a:ln>
-        </p:spPr>
-        <p:style>
-          <a:lnRef idx="2">
-            <a:schemeClr val="accent1">
-              <a:shade val="50000"/>
-            </a:schemeClr>
-          </a:lnRef>
-          <a:fillRef idx="1">
-            <a:schemeClr val="accent1"/>
-          </a:fillRef>
-          <a:effectRef idx="0">
-            <a:schemeClr val="accent1"/>
-          </a:effectRef>
-          <a:fontRef idx="minor">
-            <a:schemeClr val="lt1"/>
-          </a:fontRef>
-        </p:style>
-        <p:txBody>
-          <a:bodyPr rtlCol="0" anchor="ctr"/>
-          <a:lstStyle/>
-          <a:p>
-            <a:pPr algn="ctr"/>
-            <a:endParaRPr lang="de-DE" dirty="0"/>
-          </a:p>
-        </p:txBody>
-      </p:sp>
-      <p:sp>
-        <p:nvSpPr>
-          <p:cNvPr id="9" name="Textfeld 8">
-            <a:extLst>
-              <a:ext uri="{FF2B5EF4-FFF2-40B4-BE49-F238E27FC236}">
-                <a16:creationId xmlns:a16="http://schemas.microsoft.com/office/drawing/2014/main" id="{77242DFB-0F1D-A79F-08FD-4CF2C6C1CC99}"/>
-              </a:ext>
-            </a:extLst>
-          </p:cNvPr>
-          <p:cNvSpPr txBox="1"/>
-          <p:nvPr/>
-        </p:nvSpPr>
-        <p:spPr>
-          <a:xfrm>
-            <a:off x="485518" y="2571750"/>
-            <a:ext cx="5448692" cy="369332"/>
-          </a:xfrm>
-          <a:prstGeom prst="rect">
-            <a:avLst/>
-          </a:prstGeom>
-          <a:noFill/>
-        </p:spPr>
-        <p:txBody>
-          <a:bodyPr wrap="square">
-            <a:spAutoFit/>
-          </a:bodyPr>
-          <a:lstStyle/>
-          <a:p>
-            <a:r>
-              <a:rPr lang="de-DE" dirty="0"/>
-              <a:t>Test-</a:t>
-            </a:r>
-            <a:r>
-              <a:rPr lang="de-DE" dirty="0" err="1"/>
-              <a:t>connection.yaml</a:t>
-            </a:r>
-            <a:endParaRPr lang="de-DE" dirty="0"/>
-          </a:p>
-        </p:txBody>
-      </p:sp>
-      <p:pic>
-        <p:nvPicPr>
-          <p:cNvPr id="5" name="Grafik 4">
-            <a:extLst>
-              <a:ext uri="{FF2B5EF4-FFF2-40B4-BE49-F238E27FC236}">
-                <a16:creationId xmlns:a16="http://schemas.microsoft.com/office/drawing/2014/main" id="{05CF99A2-F432-4429-4087-332293DAA869}"/>
-              </a:ext>
-            </a:extLst>
-          </p:cNvPr>
-          <p:cNvPicPr>
-            <a:picLocks noChangeAspect="1"/>
-          </p:cNvPicPr>
-          <p:nvPr/>
-        </p:nvPicPr>
-        <p:blipFill>
-          <a:blip r:embed="rId5"/>
-          <a:stretch>
-            <a:fillRect/>
-          </a:stretch>
-        </p:blipFill>
-        <p:spPr>
-          <a:xfrm>
-            <a:off x="2981447" y="2362861"/>
-            <a:ext cx="5444781" cy="762963"/>
-          </a:xfrm>
-          <a:prstGeom prst="rect">
-            <a:avLst/>
-          </a:prstGeom>
-        </p:spPr>
-      </p:pic>
-      <p:sp>
-        <p:nvSpPr>
-          <p:cNvPr id="8" name="Textfeld 7">
-            <a:extLst>
-              <a:ext uri="{FF2B5EF4-FFF2-40B4-BE49-F238E27FC236}">
-                <a16:creationId xmlns:a16="http://schemas.microsoft.com/office/drawing/2014/main" id="{DC696303-A28F-864C-2BF9-AF9F3BE0DE1D}"/>
-              </a:ext>
-            </a:extLst>
-          </p:cNvPr>
-          <p:cNvSpPr txBox="1"/>
-          <p:nvPr/>
-        </p:nvSpPr>
-        <p:spPr>
-          <a:xfrm>
-            <a:off x="991924" y="3468915"/>
-            <a:ext cx="1101036" cy="369332"/>
-          </a:xfrm>
-          <a:prstGeom prst="rect">
-            <a:avLst/>
-          </a:prstGeom>
-          <a:noFill/>
-        </p:spPr>
-        <p:txBody>
-          <a:bodyPr wrap="square">
-            <a:spAutoFit/>
-          </a:bodyPr>
-          <a:lstStyle/>
-          <a:p>
-            <a:r>
-              <a:rPr lang="de-DE" dirty="0"/>
-              <a:t>Helm cli</a:t>
-            </a:r>
-          </a:p>
-        </p:txBody>
-      </p:sp>
-      <p:pic>
-        <p:nvPicPr>
-          <p:cNvPr id="12" name="Grafik 11">
-            <a:extLst>
-              <a:ext uri="{FF2B5EF4-FFF2-40B4-BE49-F238E27FC236}">
-                <a16:creationId xmlns:a16="http://schemas.microsoft.com/office/drawing/2014/main" id="{F1EF4C4F-87D9-0BC5-B303-6E8F7DA6B193}"/>
-              </a:ext>
-            </a:extLst>
-          </p:cNvPr>
-          <p:cNvPicPr>
-            <a:picLocks noChangeAspect="1"/>
-          </p:cNvPicPr>
-          <p:nvPr/>
-        </p:nvPicPr>
-        <p:blipFill>
-          <a:blip r:embed="rId6"/>
-          <a:stretch>
-            <a:fillRect/>
-          </a:stretch>
-        </p:blipFill>
-        <p:spPr>
-          <a:xfrm>
-            <a:off x="3359651" y="3438468"/>
-            <a:ext cx="4283346" cy="399779"/>
-          </a:xfrm>
-          <a:prstGeom prst="rect">
-            <a:avLst/>
-          </a:prstGeom>
-        </p:spPr>
-      </p:pic>
-      <p:pic>
-        <p:nvPicPr>
-          <p:cNvPr id="16" name="Grafik 15" descr="Ein Bild, das Text enthält.&#10;&#10;Automatisch generierte Beschreibung">
-            <a:extLst>
-              <a:ext uri="{FF2B5EF4-FFF2-40B4-BE49-F238E27FC236}">
-                <a16:creationId xmlns:a16="http://schemas.microsoft.com/office/drawing/2014/main" id="{553D1FB6-7DC5-A23B-3204-C0C7FC5CC0B5}"/>
-              </a:ext>
-            </a:extLst>
-          </p:cNvPr>
-          <p:cNvPicPr>
-            <a:picLocks noChangeAspect="1"/>
-          </p:cNvPicPr>
-          <p:nvPr/>
-        </p:nvPicPr>
-        <p:blipFill>
-          <a:blip r:embed="rId7"/>
-          <a:stretch>
-            <a:fillRect/>
-          </a:stretch>
-        </p:blipFill>
-        <p:spPr>
-          <a:xfrm>
-            <a:off x="3835399" y="1412445"/>
-            <a:ext cx="2806197" cy="637772"/>
-          </a:xfrm>
-          <a:prstGeom prst="rect">
-            <a:avLst/>
-          </a:prstGeom>
-        </p:spPr>
-      </p:pic>
-      <p:sp>
-        <p:nvSpPr>
-          <p:cNvPr id="17" name="Textfeld 16">
-            <a:extLst>
-              <a:ext uri="{FF2B5EF4-FFF2-40B4-BE49-F238E27FC236}">
-                <a16:creationId xmlns:a16="http://schemas.microsoft.com/office/drawing/2014/main" id="{AAFE65F3-9703-9F51-C03E-3ABD6CCB81D9}"/>
-              </a:ext>
-            </a:extLst>
-          </p:cNvPr>
-          <p:cNvSpPr txBox="1"/>
-          <p:nvPr/>
-        </p:nvSpPr>
-        <p:spPr>
-          <a:xfrm>
-            <a:off x="920971" y="1520758"/>
-            <a:ext cx="5448692" cy="369332"/>
-          </a:xfrm>
-          <a:prstGeom prst="rect">
-            <a:avLst/>
-          </a:prstGeom>
-          <a:noFill/>
-        </p:spPr>
-        <p:txBody>
-          <a:bodyPr wrap="square">
-            <a:spAutoFit/>
-          </a:bodyPr>
-          <a:lstStyle/>
-          <a:p>
-            <a:r>
-              <a:rPr lang="de-DE" dirty="0"/>
-              <a:t>Folder</a:t>
-            </a:r>
-          </a:p>
-        </p:txBody>
-      </p:sp>
-    </p:spTree>
-    <p:custDataLst>
-      <p:tags r:id="rId1"/>
-    </p:custDataLst>
-    <p:extLst>
-      <p:ext uri="{BB962C8B-B14F-4D97-AF65-F5344CB8AC3E}">
-        <p14:creationId xmlns:p14="http://schemas.microsoft.com/office/powerpoint/2010/main" val="4223229048"/>
-      </p:ext>
-    </p:extLst>
-  </p:cSld>
-  <p:clrMapOvr>
-    <a:masterClrMapping/>
-  </p:clrMapOvr>
-</p:sld>
-</file>
-
-<file path=ppt/slides/slide16.xml><?xml version="1.0" encoding="utf-8"?>
-<p:sld xmlns:a="http://schemas.openxmlformats.org/drawingml/2006/main" xmlns:r="http://schemas.openxmlformats.org/officeDocument/2006/relationships" xmlns:p="http://schemas.openxmlformats.org/presentationml/2006/main">
-  <p:cSld>
-    <p:spTree>
-      <p:nvGrpSpPr>
-        <p:cNvPr id="1" name=""/>
-        <p:cNvGrpSpPr/>
-        <p:nvPr/>
-      </p:nvGrpSpPr>
-      <p:grpSpPr>
-        <a:xfrm>
-          <a:off x="0" y="0"/>
-          <a:ext cx="0" cy="0"/>
-          <a:chOff x="0" y="0"/>
-          <a:chExt cx="0" cy="0"/>
-        </a:xfrm>
-      </p:grpSpPr>
-      <p:pic>
-        <p:nvPicPr>
-          <p:cNvPr id="37" name="Picture 2" descr="C:\Users\ses\Desktop\ti8m_logo_2014_CMYK.png">
-            <a:extLst>
-              <a:ext uri="{FF2B5EF4-FFF2-40B4-BE49-F238E27FC236}">
-                <a16:creationId xmlns:a16="http://schemas.microsoft.com/office/drawing/2014/main" id="{C266C303-516D-2245-88FB-5B3B9717F8F5}"/>
-              </a:ext>
-            </a:extLst>
-          </p:cNvPr>
-          <p:cNvPicPr preferRelativeResize="0">
-            <a:picLocks noChangeAspect="1" noChangeArrowheads="1"/>
-          </p:cNvPicPr>
-          <p:nvPr/>
-        </p:nvPicPr>
-        <p:blipFill rotWithShape="1">
-          <a:blip r:embed="rId4" cstate="email">
-            <a:biLevel thresh="25000"/>
-            <a:alphaModFix/>
-            <a:extLst>
-              <a:ext uri="{28A0092B-C50C-407E-A947-70E740481C1C}">
-                <a14:useLocalDpi xmlns:a14="http://schemas.microsoft.com/office/drawing/2010/main"/>
-              </a:ext>
-            </a:extLst>
-          </a:blip>
-          <a:srcRect b="20184"/>
-          <a:stretch/>
-        </p:blipFill>
-        <p:spPr bwMode="auto">
-          <a:xfrm>
-            <a:off x="8426228" y="4820335"/>
-            <a:ext cx="360000" cy="135854"/>
-          </a:xfrm>
-          <a:prstGeom prst="rect">
-            <a:avLst/>
-          </a:prstGeom>
-          <a:noFill/>
-          <a:extLst>
-            <a:ext uri="{909E8E84-426E-40DD-AFC4-6F175D3DCCD1}">
-              <a14:hiddenFill xmlns:a14="http://schemas.microsoft.com/office/drawing/2010/main">
-                <a:solidFill>
-                  <a:srgbClr val="FFFFFF"/>
-                </a:solidFill>
-              </a14:hiddenFill>
-            </a:ext>
-          </a:extLst>
-        </p:spPr>
-      </p:pic>
-      <p:sp>
-        <p:nvSpPr>
-          <p:cNvPr id="15" name="Textfeld 14">
-            <a:extLst>
-              <a:ext uri="{FF2B5EF4-FFF2-40B4-BE49-F238E27FC236}">
-                <a16:creationId xmlns:a16="http://schemas.microsoft.com/office/drawing/2014/main" id="{1BD9B7C1-5860-C447-7FC6-D510200F75A2}"/>
-              </a:ext>
-            </a:extLst>
-          </p:cNvPr>
-          <p:cNvSpPr txBox="1"/>
-          <p:nvPr/>
-        </p:nvSpPr>
-        <p:spPr>
-          <a:xfrm>
-            <a:off x="354210" y="590573"/>
-            <a:ext cx="7674550" cy="492443"/>
-          </a:xfrm>
-          <a:prstGeom prst="rect">
-            <a:avLst/>
-          </a:prstGeom>
-          <a:noFill/>
-        </p:spPr>
-        <p:txBody>
-          <a:bodyPr wrap="square" lIns="0" tIns="0" rIns="0" bIns="0" rtlCol="0">
-            <a:spAutoFit/>
-          </a:bodyPr>
-          <a:lstStyle/>
-          <a:p>
-            <a:pPr>
-              <a:spcAft>
-                <a:spcPts val="600"/>
-              </a:spcAft>
-            </a:pPr>
-            <a:r>
-              <a:rPr lang="de-DE" sz="3200" dirty="0">
-                <a:solidFill>
-                  <a:schemeClr val="bg1"/>
-                </a:solidFill>
-                <a:latin typeface="+mj-lt"/>
-              </a:rPr>
-              <a:t>Helm – Chart</a:t>
-            </a:r>
-          </a:p>
-        </p:txBody>
-      </p:sp>
-      <p:sp>
-        <p:nvSpPr>
-          <p:cNvPr id="2" name="Fußzeilenplatzhalter 6">
-            <a:extLst>
-              <a:ext uri="{FF2B5EF4-FFF2-40B4-BE49-F238E27FC236}">
-                <a16:creationId xmlns:a16="http://schemas.microsoft.com/office/drawing/2014/main" id="{A0B7C6DE-253F-0374-F735-8A4174830D91}"/>
-              </a:ext>
-            </a:extLst>
-          </p:cNvPr>
-          <p:cNvSpPr>
-            <a:spLocks noGrp="1"/>
-          </p:cNvSpPr>
-          <p:nvPr>
-            <p:ph type="ftr" sz="quarter" idx="3"/>
-          </p:nvPr>
-        </p:nvSpPr>
-        <p:spPr>
-          <a:xfrm>
-            <a:off x="354210" y="301275"/>
-            <a:ext cx="5580000" cy="139611"/>
-          </a:xfrm>
-        </p:spPr>
-        <p:txBody>
-          <a:bodyPr/>
-          <a:lstStyle/>
-          <a:p>
-            <a:r>
-              <a:rPr lang="de-CH" dirty="0"/>
-              <a:t>Helm</a:t>
-            </a:r>
+            <a:r>
+              <a:rPr lang="de-DE" dirty="0">
+                <a:solidFill>
+                  <a:schemeClr val="tx1"/>
+                </a:solidFill>
+              </a:rPr>
+              <a:t>Practice Task </a:t>
+            </a:r>
+            <a:r>
+              <a:rPr lang="de-DE" dirty="0" err="1">
+                <a:solidFill>
+                  <a:schemeClr val="tx1"/>
+                </a:solidFill>
+              </a:rPr>
+              <a:t>with</a:t>
+            </a:r>
+            <a:r>
+              <a:rPr lang="de-DE">
+                <a:solidFill>
+                  <a:schemeClr val="tx1"/>
+                </a:solidFill>
+              </a:rPr>
+              <a:t> Challenge</a:t>
+            </a:r>
+            <a:endParaRPr lang="de-DE" dirty="0">
+              <a:solidFill>
+                <a:schemeClr val="tx1"/>
+              </a:solidFill>
+            </a:endParaRPr>
           </a:p>
         </p:txBody>
       </p:sp>
@@ -26165,955 +25049,13 @@
           </a:p>
         </p:txBody>
       </p:sp>
-      <p:sp>
-        <p:nvSpPr>
-          <p:cNvPr id="13" name="Rechteck 12">
-            <a:extLst>
-              <a:ext uri="{FF2B5EF4-FFF2-40B4-BE49-F238E27FC236}">
-                <a16:creationId xmlns:a16="http://schemas.microsoft.com/office/drawing/2014/main" id="{5732D903-9239-BAAE-756E-28573EF086BB}"/>
-              </a:ext>
-            </a:extLst>
-          </p:cNvPr>
-          <p:cNvSpPr/>
-          <p:nvPr/>
-        </p:nvSpPr>
-        <p:spPr>
-          <a:xfrm>
-            <a:off x="354210" y="1215935"/>
-            <a:ext cx="8432018" cy="3336992"/>
-          </a:xfrm>
-          <a:prstGeom prst="rect">
-            <a:avLst/>
-          </a:prstGeom>
-          <a:solidFill>
-            <a:schemeClr val="accent5"/>
-          </a:solidFill>
-          <a:ln>
-            <a:noFill/>
-          </a:ln>
-        </p:spPr>
-        <p:style>
-          <a:lnRef idx="2">
-            <a:schemeClr val="accent1">
-              <a:shade val="50000"/>
-            </a:schemeClr>
-          </a:lnRef>
-          <a:fillRef idx="1">
-            <a:schemeClr val="accent1"/>
-          </a:fillRef>
-          <a:effectRef idx="0">
-            <a:schemeClr val="accent1"/>
-          </a:effectRef>
-          <a:fontRef idx="minor">
-            <a:schemeClr val="lt1"/>
-          </a:fontRef>
-        </p:style>
-        <p:txBody>
-          <a:bodyPr rtlCol="0" anchor="ctr"/>
-          <a:lstStyle/>
-          <a:p>
-            <a:pPr algn="ctr"/>
-            <a:r>
-              <a:rPr lang="de-DE" dirty="0">
-                <a:solidFill>
-                  <a:schemeClr val="tx1"/>
-                </a:solidFill>
-              </a:rPr>
-              <a:t>Practice 8</a:t>
-            </a:r>
-          </a:p>
-        </p:txBody>
-      </p:sp>
     </p:spTree>
     <p:custDataLst>
       <p:tags r:id="rId1"/>
     </p:custDataLst>
     <p:extLst>
       <p:ext uri="{BB962C8B-B14F-4D97-AF65-F5344CB8AC3E}">
-        <p14:creationId xmlns:p14="http://schemas.microsoft.com/office/powerpoint/2010/main" val="2000548903"/>
-      </p:ext>
-    </p:extLst>
-  </p:cSld>
-  <p:clrMapOvr>
-    <a:masterClrMapping/>
-  </p:clrMapOvr>
-</p:sld>
-</file>
-
-<file path=ppt/slides/slide17.xml><?xml version="1.0" encoding="utf-8"?>
-<p:sld xmlns:a="http://schemas.openxmlformats.org/drawingml/2006/main" xmlns:r="http://schemas.openxmlformats.org/officeDocument/2006/relationships" xmlns:p="http://schemas.openxmlformats.org/presentationml/2006/main">
-  <p:cSld>
-    <p:spTree>
-      <p:nvGrpSpPr>
-        <p:cNvPr id="1" name=""/>
-        <p:cNvGrpSpPr/>
-        <p:nvPr/>
-      </p:nvGrpSpPr>
-      <p:grpSpPr>
-        <a:xfrm>
-          <a:off x="0" y="0"/>
-          <a:ext cx="0" cy="0"/>
-          <a:chOff x="0" y="0"/>
-          <a:chExt cx="0" cy="0"/>
-        </a:xfrm>
-      </p:grpSpPr>
-      <p:pic>
-        <p:nvPicPr>
-          <p:cNvPr id="37" name="Picture 2" descr="C:\Users\ses\Desktop\ti8m_logo_2014_CMYK.png">
-            <a:extLst>
-              <a:ext uri="{FF2B5EF4-FFF2-40B4-BE49-F238E27FC236}">
-                <a16:creationId xmlns:a16="http://schemas.microsoft.com/office/drawing/2014/main" id="{C266C303-516D-2245-88FB-5B3B9717F8F5}"/>
-              </a:ext>
-            </a:extLst>
-          </p:cNvPr>
-          <p:cNvPicPr preferRelativeResize="0">
-            <a:picLocks noChangeAspect="1" noChangeArrowheads="1"/>
-          </p:cNvPicPr>
-          <p:nvPr/>
-        </p:nvPicPr>
-        <p:blipFill rotWithShape="1">
-          <a:blip r:embed="rId4" cstate="email">
-            <a:biLevel thresh="25000"/>
-            <a:alphaModFix/>
-            <a:extLst>
-              <a:ext uri="{28A0092B-C50C-407E-A947-70E740481C1C}">
-                <a14:useLocalDpi xmlns:a14="http://schemas.microsoft.com/office/drawing/2010/main"/>
-              </a:ext>
-            </a:extLst>
-          </a:blip>
-          <a:srcRect b="20184"/>
-          <a:stretch/>
-        </p:blipFill>
-        <p:spPr bwMode="auto">
-          <a:xfrm>
-            <a:off x="8426228" y="4820335"/>
-            <a:ext cx="360000" cy="135854"/>
-          </a:xfrm>
-          <a:prstGeom prst="rect">
-            <a:avLst/>
-          </a:prstGeom>
-          <a:noFill/>
-          <a:extLst>
-            <a:ext uri="{909E8E84-426E-40DD-AFC4-6F175D3DCCD1}">
-              <a14:hiddenFill xmlns:a14="http://schemas.microsoft.com/office/drawing/2010/main">
-                <a:solidFill>
-                  <a:srgbClr val="FFFFFF"/>
-                </a:solidFill>
-              </a14:hiddenFill>
-            </a:ext>
-          </a:extLst>
-        </p:spPr>
-      </p:pic>
-      <p:sp>
-        <p:nvSpPr>
-          <p:cNvPr id="15" name="Textfeld 14">
-            <a:extLst>
-              <a:ext uri="{FF2B5EF4-FFF2-40B4-BE49-F238E27FC236}">
-                <a16:creationId xmlns:a16="http://schemas.microsoft.com/office/drawing/2014/main" id="{1BD9B7C1-5860-C447-7FC6-D510200F75A2}"/>
-              </a:ext>
-            </a:extLst>
-          </p:cNvPr>
-          <p:cNvSpPr txBox="1"/>
-          <p:nvPr/>
-        </p:nvSpPr>
-        <p:spPr>
-          <a:xfrm>
-            <a:off x="354210" y="590573"/>
-            <a:ext cx="7674550" cy="492443"/>
-          </a:xfrm>
-          <a:prstGeom prst="rect">
-            <a:avLst/>
-          </a:prstGeom>
-          <a:noFill/>
-        </p:spPr>
-        <p:txBody>
-          <a:bodyPr wrap="square" lIns="0" tIns="0" rIns="0" bIns="0" rtlCol="0">
-            <a:spAutoFit/>
-          </a:bodyPr>
-          <a:lstStyle/>
-          <a:p>
-            <a:pPr>
-              <a:spcAft>
-                <a:spcPts val="600"/>
-              </a:spcAft>
-            </a:pPr>
-            <a:r>
-              <a:rPr lang="de-DE" sz="3200" dirty="0">
-                <a:solidFill>
-                  <a:schemeClr val="bg1"/>
-                </a:solidFill>
-                <a:latin typeface="+mj-lt"/>
-              </a:rPr>
-              <a:t>Helm – Chart – Hooks</a:t>
-            </a:r>
-          </a:p>
-        </p:txBody>
-      </p:sp>
-      <p:sp>
-        <p:nvSpPr>
-          <p:cNvPr id="2" name="Fußzeilenplatzhalter 6">
-            <a:extLst>
-              <a:ext uri="{FF2B5EF4-FFF2-40B4-BE49-F238E27FC236}">
-                <a16:creationId xmlns:a16="http://schemas.microsoft.com/office/drawing/2014/main" id="{A0B7C6DE-253F-0374-F735-8A4174830D91}"/>
-              </a:ext>
-            </a:extLst>
-          </p:cNvPr>
-          <p:cNvSpPr>
-            <a:spLocks noGrp="1"/>
-          </p:cNvSpPr>
-          <p:nvPr>
-            <p:ph type="ftr" sz="quarter" idx="3"/>
-          </p:nvPr>
-        </p:nvSpPr>
-        <p:spPr>
-          <a:xfrm>
-            <a:off x="354210" y="301275"/>
-            <a:ext cx="5580000" cy="139611"/>
-          </a:xfrm>
-        </p:spPr>
-        <p:txBody>
-          <a:bodyPr/>
-          <a:lstStyle/>
-          <a:p>
-            <a:r>
-              <a:rPr lang="de-CH" dirty="0"/>
-              <a:t>Helm</a:t>
-            </a:r>
-          </a:p>
-        </p:txBody>
-      </p:sp>
-      <p:sp>
-        <p:nvSpPr>
-          <p:cNvPr id="13" name="Rechteck 12">
-            <a:extLst>
-              <a:ext uri="{FF2B5EF4-FFF2-40B4-BE49-F238E27FC236}">
-                <a16:creationId xmlns:a16="http://schemas.microsoft.com/office/drawing/2014/main" id="{5732D903-9239-BAAE-756E-28573EF086BB}"/>
-              </a:ext>
-            </a:extLst>
-          </p:cNvPr>
-          <p:cNvSpPr/>
-          <p:nvPr/>
-        </p:nvSpPr>
-        <p:spPr>
-          <a:xfrm>
-            <a:off x="354210" y="1215935"/>
-            <a:ext cx="8432018" cy="3336992"/>
-          </a:xfrm>
-          <a:prstGeom prst="rect">
-            <a:avLst/>
-          </a:prstGeom>
-          <a:solidFill>
-            <a:schemeClr val="accent5"/>
-          </a:solidFill>
-          <a:ln>
-            <a:noFill/>
-          </a:ln>
-        </p:spPr>
-        <p:style>
-          <a:lnRef idx="2">
-            <a:schemeClr val="accent1">
-              <a:shade val="50000"/>
-            </a:schemeClr>
-          </a:lnRef>
-          <a:fillRef idx="1">
-            <a:schemeClr val="accent1"/>
-          </a:fillRef>
-          <a:effectRef idx="0">
-            <a:schemeClr val="accent1"/>
-          </a:effectRef>
-          <a:fontRef idx="minor">
-            <a:schemeClr val="lt1"/>
-          </a:fontRef>
-        </p:style>
-        <p:txBody>
-          <a:bodyPr rtlCol="0" anchor="ctr"/>
-          <a:lstStyle/>
-          <a:p>
-            <a:pPr algn="ctr"/>
-            <a:endParaRPr lang="de-DE" dirty="0"/>
-          </a:p>
-        </p:txBody>
-      </p:sp>
-      <p:sp>
-        <p:nvSpPr>
-          <p:cNvPr id="9" name="Textfeld 8">
-            <a:extLst>
-              <a:ext uri="{FF2B5EF4-FFF2-40B4-BE49-F238E27FC236}">
-                <a16:creationId xmlns:a16="http://schemas.microsoft.com/office/drawing/2014/main" id="{77242DFB-0F1D-A79F-08FD-4CF2C6C1CC99}"/>
-              </a:ext>
-            </a:extLst>
-          </p:cNvPr>
-          <p:cNvSpPr txBox="1"/>
-          <p:nvPr/>
-        </p:nvSpPr>
-        <p:spPr>
-          <a:xfrm>
-            <a:off x="854675" y="2571750"/>
-            <a:ext cx="5448692" cy="369332"/>
-          </a:xfrm>
-          <a:prstGeom prst="rect">
-            <a:avLst/>
-          </a:prstGeom>
-          <a:noFill/>
-        </p:spPr>
-        <p:txBody>
-          <a:bodyPr wrap="square">
-            <a:spAutoFit/>
-          </a:bodyPr>
-          <a:lstStyle/>
-          <a:p>
-            <a:r>
-              <a:rPr lang="de-DE" dirty="0" err="1"/>
-              <a:t>Deployment.yaml</a:t>
-            </a:r>
-            <a:endParaRPr lang="de-DE" dirty="0"/>
-          </a:p>
-        </p:txBody>
-      </p:sp>
-      <p:sp>
-        <p:nvSpPr>
-          <p:cNvPr id="17" name="Textfeld 16">
-            <a:extLst>
-              <a:ext uri="{FF2B5EF4-FFF2-40B4-BE49-F238E27FC236}">
-                <a16:creationId xmlns:a16="http://schemas.microsoft.com/office/drawing/2014/main" id="{AAFE65F3-9703-9F51-C03E-3ABD6CCB81D9}"/>
-              </a:ext>
-            </a:extLst>
-          </p:cNvPr>
-          <p:cNvSpPr txBox="1"/>
-          <p:nvPr/>
-        </p:nvSpPr>
-        <p:spPr>
-          <a:xfrm>
-            <a:off x="558800" y="1520758"/>
-            <a:ext cx="8006080" cy="923330"/>
-          </a:xfrm>
-          <a:prstGeom prst="rect">
-            <a:avLst/>
-          </a:prstGeom>
-          <a:noFill/>
-        </p:spPr>
-        <p:txBody>
-          <a:bodyPr wrap="square">
-            <a:spAutoFit/>
-          </a:bodyPr>
-          <a:lstStyle/>
-          <a:p>
-            <a:r>
-              <a:rPr lang="de-DE" dirty="0"/>
-              <a:t>Implement </a:t>
-            </a:r>
-            <a:r>
-              <a:rPr lang="de-DE" dirty="0" err="1"/>
-              <a:t>some</a:t>
-            </a:r>
-            <a:r>
-              <a:rPr lang="de-DE" dirty="0"/>
-              <a:t> time </a:t>
-            </a:r>
-            <a:r>
-              <a:rPr lang="de-DE" dirty="0" err="1"/>
-              <a:t>dependency</a:t>
-            </a:r>
-            <a:r>
-              <a:rPr lang="de-DE" dirty="0"/>
-              <a:t> in </a:t>
-            </a:r>
-            <a:r>
-              <a:rPr lang="de-DE" dirty="0" err="1"/>
-              <a:t>the</a:t>
-            </a:r>
-            <a:r>
-              <a:rPr lang="de-DE" dirty="0"/>
-              <a:t> </a:t>
-            </a:r>
-            <a:r>
-              <a:rPr lang="de-DE" dirty="0" err="1"/>
-              <a:t>creation</a:t>
-            </a:r>
-            <a:r>
-              <a:rPr lang="de-DE" dirty="0"/>
-              <a:t> </a:t>
-            </a:r>
-            <a:r>
-              <a:rPr lang="de-DE" dirty="0" err="1"/>
-              <a:t>of</a:t>
-            </a:r>
-            <a:r>
-              <a:rPr lang="de-DE" dirty="0"/>
-              <a:t> </a:t>
-            </a:r>
-            <a:r>
-              <a:rPr lang="de-DE" dirty="0" err="1"/>
-              <a:t>our</a:t>
-            </a:r>
-            <a:r>
-              <a:rPr lang="de-DE" dirty="0"/>
-              <a:t> </a:t>
-            </a:r>
-            <a:r>
-              <a:rPr lang="de-DE" dirty="0" err="1"/>
-              <a:t>kubernetes</a:t>
-            </a:r>
-            <a:r>
-              <a:rPr lang="de-DE" dirty="0"/>
-              <a:t> </a:t>
-            </a:r>
-            <a:r>
-              <a:rPr lang="de-DE" dirty="0" err="1"/>
-              <a:t>resources</a:t>
-            </a:r>
-            <a:endParaRPr lang="de-DE" dirty="0"/>
-          </a:p>
-          <a:p>
-            <a:endParaRPr lang="de-DE" dirty="0"/>
-          </a:p>
-          <a:p>
-            <a:r>
-              <a:rPr lang="de-DE" dirty="0"/>
-              <a:t>Set </a:t>
-            </a:r>
-            <a:r>
-              <a:rPr lang="de-DE" dirty="0" err="1"/>
-              <a:t>with</a:t>
-            </a:r>
-            <a:r>
-              <a:rPr lang="de-DE" dirty="0"/>
-              <a:t> </a:t>
-            </a:r>
-            <a:r>
-              <a:rPr lang="de-DE" dirty="0" err="1"/>
-              <a:t>annotations</a:t>
-            </a:r>
-            <a:endParaRPr lang="de-DE" dirty="0"/>
-          </a:p>
-        </p:txBody>
-      </p:sp>
-      <p:pic>
-        <p:nvPicPr>
-          <p:cNvPr id="7" name="Grafik 6" descr="Ein Bild, das Text enthält.&#10;&#10;Automatisch generierte Beschreibung">
-            <a:extLst>
-              <a:ext uri="{FF2B5EF4-FFF2-40B4-BE49-F238E27FC236}">
-                <a16:creationId xmlns:a16="http://schemas.microsoft.com/office/drawing/2014/main" id="{C8C290A5-5B5F-F073-D41B-91333F7C3409}"/>
-              </a:ext>
-            </a:extLst>
-          </p:cNvPr>
-          <p:cNvPicPr>
-            <a:picLocks noChangeAspect="1"/>
-          </p:cNvPicPr>
-          <p:nvPr/>
-        </p:nvPicPr>
-        <p:blipFill>
-          <a:blip r:embed="rId5"/>
-          <a:stretch>
-            <a:fillRect/>
-          </a:stretch>
-        </p:blipFill>
-        <p:spPr>
-          <a:xfrm>
-            <a:off x="3401058" y="2357381"/>
-            <a:ext cx="4902200" cy="1054100"/>
-          </a:xfrm>
-          <a:prstGeom prst="rect">
-            <a:avLst/>
-          </a:prstGeom>
-        </p:spPr>
-      </p:pic>
-    </p:spTree>
-    <p:custDataLst>
-      <p:tags r:id="rId1"/>
-    </p:custDataLst>
-    <p:extLst>
-      <p:ext uri="{BB962C8B-B14F-4D97-AF65-F5344CB8AC3E}">
-        <p14:creationId xmlns:p14="http://schemas.microsoft.com/office/powerpoint/2010/main" val="1720979153"/>
-      </p:ext>
-    </p:extLst>
-  </p:cSld>
-  <p:clrMapOvr>
-    <a:masterClrMapping/>
-  </p:clrMapOvr>
-</p:sld>
-</file>
-
-<file path=ppt/slides/slide18.xml><?xml version="1.0" encoding="utf-8"?>
-<p:sld xmlns:a="http://schemas.openxmlformats.org/drawingml/2006/main" xmlns:r="http://schemas.openxmlformats.org/officeDocument/2006/relationships" xmlns:p="http://schemas.openxmlformats.org/presentationml/2006/main">
-  <p:cSld>
-    <p:spTree>
-      <p:nvGrpSpPr>
-        <p:cNvPr id="1" name=""/>
-        <p:cNvGrpSpPr/>
-        <p:nvPr/>
-      </p:nvGrpSpPr>
-      <p:grpSpPr>
-        <a:xfrm>
-          <a:off x="0" y="0"/>
-          <a:ext cx="0" cy="0"/>
-          <a:chOff x="0" y="0"/>
-          <a:chExt cx="0" cy="0"/>
-        </a:xfrm>
-      </p:grpSpPr>
-      <p:pic>
-        <p:nvPicPr>
-          <p:cNvPr id="37" name="Picture 2" descr="C:\Users\ses\Desktop\ti8m_logo_2014_CMYK.png">
-            <a:extLst>
-              <a:ext uri="{FF2B5EF4-FFF2-40B4-BE49-F238E27FC236}">
-                <a16:creationId xmlns:a16="http://schemas.microsoft.com/office/drawing/2014/main" id="{C266C303-516D-2245-88FB-5B3B9717F8F5}"/>
-              </a:ext>
-            </a:extLst>
-          </p:cNvPr>
-          <p:cNvPicPr preferRelativeResize="0">
-            <a:picLocks noChangeAspect="1" noChangeArrowheads="1"/>
-          </p:cNvPicPr>
-          <p:nvPr/>
-        </p:nvPicPr>
-        <p:blipFill rotWithShape="1">
-          <a:blip r:embed="rId4" cstate="email">
-            <a:biLevel thresh="25000"/>
-            <a:alphaModFix/>
-            <a:extLst>
-              <a:ext uri="{28A0092B-C50C-407E-A947-70E740481C1C}">
-                <a14:useLocalDpi xmlns:a14="http://schemas.microsoft.com/office/drawing/2010/main"/>
-              </a:ext>
-            </a:extLst>
-          </a:blip>
-          <a:srcRect b="20184"/>
-          <a:stretch/>
-        </p:blipFill>
-        <p:spPr bwMode="auto">
-          <a:xfrm>
-            <a:off x="8426228" y="4820335"/>
-            <a:ext cx="360000" cy="135854"/>
-          </a:xfrm>
-          <a:prstGeom prst="rect">
-            <a:avLst/>
-          </a:prstGeom>
-          <a:noFill/>
-          <a:extLst>
-            <a:ext uri="{909E8E84-426E-40DD-AFC4-6F175D3DCCD1}">
-              <a14:hiddenFill xmlns:a14="http://schemas.microsoft.com/office/drawing/2010/main">
-                <a:solidFill>
-                  <a:srgbClr val="FFFFFF"/>
-                </a:solidFill>
-              </a14:hiddenFill>
-            </a:ext>
-          </a:extLst>
-        </p:spPr>
-      </p:pic>
-      <p:sp>
-        <p:nvSpPr>
-          <p:cNvPr id="15" name="Textfeld 14">
-            <a:extLst>
-              <a:ext uri="{FF2B5EF4-FFF2-40B4-BE49-F238E27FC236}">
-                <a16:creationId xmlns:a16="http://schemas.microsoft.com/office/drawing/2014/main" id="{1BD9B7C1-5860-C447-7FC6-D510200F75A2}"/>
-              </a:ext>
-            </a:extLst>
-          </p:cNvPr>
-          <p:cNvSpPr txBox="1"/>
-          <p:nvPr/>
-        </p:nvSpPr>
-        <p:spPr>
-          <a:xfrm>
-            <a:off x="354210" y="590573"/>
-            <a:ext cx="7674550" cy="492443"/>
-          </a:xfrm>
-          <a:prstGeom prst="rect">
-            <a:avLst/>
-          </a:prstGeom>
-          <a:noFill/>
-        </p:spPr>
-        <p:txBody>
-          <a:bodyPr wrap="square" lIns="0" tIns="0" rIns="0" bIns="0" rtlCol="0">
-            <a:spAutoFit/>
-          </a:bodyPr>
-          <a:lstStyle/>
-          <a:p>
-            <a:pPr>
-              <a:spcAft>
-                <a:spcPts val="600"/>
-              </a:spcAft>
-            </a:pPr>
-            <a:r>
-              <a:rPr lang="de-DE" sz="3200" dirty="0">
-                <a:solidFill>
-                  <a:schemeClr val="bg1"/>
-                </a:solidFill>
-                <a:latin typeface="+mj-lt"/>
-              </a:rPr>
-              <a:t>Helm – Chart – Hooks</a:t>
-            </a:r>
-          </a:p>
-        </p:txBody>
-      </p:sp>
-      <p:sp>
-        <p:nvSpPr>
-          <p:cNvPr id="2" name="Fußzeilenplatzhalter 6">
-            <a:extLst>
-              <a:ext uri="{FF2B5EF4-FFF2-40B4-BE49-F238E27FC236}">
-                <a16:creationId xmlns:a16="http://schemas.microsoft.com/office/drawing/2014/main" id="{A0B7C6DE-253F-0374-F735-8A4174830D91}"/>
-              </a:ext>
-            </a:extLst>
-          </p:cNvPr>
-          <p:cNvSpPr>
-            <a:spLocks noGrp="1"/>
-          </p:cNvSpPr>
-          <p:nvPr>
-            <p:ph type="ftr" sz="quarter" idx="3"/>
-          </p:nvPr>
-        </p:nvSpPr>
-        <p:spPr>
-          <a:xfrm>
-            <a:off x="354210" y="301275"/>
-            <a:ext cx="5580000" cy="139611"/>
-          </a:xfrm>
-        </p:spPr>
-        <p:txBody>
-          <a:bodyPr/>
-          <a:lstStyle/>
-          <a:p>
-            <a:r>
-              <a:rPr lang="de-CH" dirty="0"/>
-              <a:t>Helm</a:t>
-            </a:r>
-          </a:p>
-        </p:txBody>
-      </p:sp>
-      <p:sp>
-        <p:nvSpPr>
-          <p:cNvPr id="13" name="Rechteck 12">
-            <a:extLst>
-              <a:ext uri="{FF2B5EF4-FFF2-40B4-BE49-F238E27FC236}">
-                <a16:creationId xmlns:a16="http://schemas.microsoft.com/office/drawing/2014/main" id="{5732D903-9239-BAAE-756E-28573EF086BB}"/>
-              </a:ext>
-            </a:extLst>
-          </p:cNvPr>
-          <p:cNvSpPr/>
-          <p:nvPr/>
-        </p:nvSpPr>
-        <p:spPr>
-          <a:xfrm>
-            <a:off x="354210" y="1215935"/>
-            <a:ext cx="8432018" cy="3336992"/>
-          </a:xfrm>
-          <a:prstGeom prst="rect">
-            <a:avLst/>
-          </a:prstGeom>
-          <a:solidFill>
-            <a:schemeClr val="accent5"/>
-          </a:solidFill>
-          <a:ln>
-            <a:noFill/>
-          </a:ln>
-        </p:spPr>
-        <p:style>
-          <a:lnRef idx="2">
-            <a:schemeClr val="accent1">
-              <a:shade val="50000"/>
-            </a:schemeClr>
-          </a:lnRef>
-          <a:fillRef idx="1">
-            <a:schemeClr val="accent1"/>
-          </a:fillRef>
-          <a:effectRef idx="0">
-            <a:schemeClr val="accent1"/>
-          </a:effectRef>
-          <a:fontRef idx="minor">
-            <a:schemeClr val="lt1"/>
-          </a:fontRef>
-        </p:style>
-        <p:txBody>
-          <a:bodyPr rtlCol="0" anchor="ctr"/>
-          <a:lstStyle/>
-          <a:p>
-            <a:pPr algn="ctr"/>
-            <a:endParaRPr lang="de-DE" dirty="0"/>
-          </a:p>
-        </p:txBody>
-      </p:sp>
-      <p:pic>
-        <p:nvPicPr>
-          <p:cNvPr id="11" name="Grafik 10" descr="Ein Bild, das Text, Brief enthält.&#10;&#10;Automatisch generierte Beschreibung">
-            <a:extLst>
-              <a:ext uri="{FF2B5EF4-FFF2-40B4-BE49-F238E27FC236}">
-                <a16:creationId xmlns:a16="http://schemas.microsoft.com/office/drawing/2014/main" id="{761D20CF-D64D-829D-009A-E0F3E1C1CEE0}"/>
-              </a:ext>
-            </a:extLst>
-          </p:cNvPr>
-          <p:cNvPicPr>
-            <a:picLocks noChangeAspect="1"/>
-          </p:cNvPicPr>
-          <p:nvPr/>
-        </p:nvPicPr>
-        <p:blipFill>
-          <a:blip r:embed="rId5"/>
-          <a:stretch>
-            <a:fillRect/>
-          </a:stretch>
-        </p:blipFill>
-        <p:spPr>
-          <a:xfrm>
-            <a:off x="1201420" y="1255873"/>
-            <a:ext cx="6428740" cy="3297054"/>
-          </a:xfrm>
-          <a:prstGeom prst="rect">
-            <a:avLst/>
-          </a:prstGeom>
-        </p:spPr>
-      </p:pic>
-    </p:spTree>
-    <p:custDataLst>
-      <p:tags r:id="rId1"/>
-    </p:custDataLst>
-    <p:extLst>
-      <p:ext uri="{BB962C8B-B14F-4D97-AF65-F5344CB8AC3E}">
-        <p14:creationId xmlns:p14="http://schemas.microsoft.com/office/powerpoint/2010/main" val="1347087970"/>
-      </p:ext>
-    </p:extLst>
-  </p:cSld>
-  <p:clrMapOvr>
-    <a:masterClrMapping/>
-  </p:clrMapOvr>
-</p:sld>
-</file>
-
-<file path=ppt/slides/slide19.xml><?xml version="1.0" encoding="utf-8"?>
-<p:sld xmlns:a="http://schemas.openxmlformats.org/drawingml/2006/main" xmlns:r="http://schemas.openxmlformats.org/officeDocument/2006/relationships" xmlns:p="http://schemas.openxmlformats.org/presentationml/2006/main">
-  <p:cSld>
-    <p:spTree>
-      <p:nvGrpSpPr>
-        <p:cNvPr id="1" name=""/>
-        <p:cNvGrpSpPr/>
-        <p:nvPr/>
-      </p:nvGrpSpPr>
-      <p:grpSpPr>
-        <a:xfrm>
-          <a:off x="0" y="0"/>
-          <a:ext cx="0" cy="0"/>
-          <a:chOff x="0" y="0"/>
-          <a:chExt cx="0" cy="0"/>
-        </a:xfrm>
-      </p:grpSpPr>
-      <p:pic>
-        <p:nvPicPr>
-          <p:cNvPr id="37" name="Picture 2" descr="C:\Users\ses\Desktop\ti8m_logo_2014_CMYK.png">
-            <a:extLst>
-              <a:ext uri="{FF2B5EF4-FFF2-40B4-BE49-F238E27FC236}">
-                <a16:creationId xmlns:a16="http://schemas.microsoft.com/office/drawing/2014/main" id="{C266C303-516D-2245-88FB-5B3B9717F8F5}"/>
-              </a:ext>
-            </a:extLst>
-          </p:cNvPr>
-          <p:cNvPicPr preferRelativeResize="0">
-            <a:picLocks noChangeAspect="1" noChangeArrowheads="1"/>
-          </p:cNvPicPr>
-          <p:nvPr/>
-        </p:nvPicPr>
-        <p:blipFill rotWithShape="1">
-          <a:blip r:embed="rId4" cstate="email">
-            <a:biLevel thresh="25000"/>
-            <a:alphaModFix/>
-            <a:extLst>
-              <a:ext uri="{28A0092B-C50C-407E-A947-70E740481C1C}">
-                <a14:useLocalDpi xmlns:a14="http://schemas.microsoft.com/office/drawing/2010/main"/>
-              </a:ext>
-            </a:extLst>
-          </a:blip>
-          <a:srcRect b="20184"/>
-          <a:stretch/>
-        </p:blipFill>
-        <p:spPr bwMode="auto">
-          <a:xfrm>
-            <a:off x="8426228" y="4820335"/>
-            <a:ext cx="360000" cy="135854"/>
-          </a:xfrm>
-          <a:prstGeom prst="rect">
-            <a:avLst/>
-          </a:prstGeom>
-          <a:noFill/>
-          <a:extLst>
-            <a:ext uri="{909E8E84-426E-40DD-AFC4-6F175D3DCCD1}">
-              <a14:hiddenFill xmlns:a14="http://schemas.microsoft.com/office/drawing/2010/main">
-                <a:solidFill>
-                  <a:srgbClr val="FFFFFF"/>
-                </a:solidFill>
-              </a14:hiddenFill>
-            </a:ext>
-          </a:extLst>
-        </p:spPr>
-      </p:pic>
-      <p:sp>
-        <p:nvSpPr>
-          <p:cNvPr id="15" name="Textfeld 14">
-            <a:extLst>
-              <a:ext uri="{FF2B5EF4-FFF2-40B4-BE49-F238E27FC236}">
-                <a16:creationId xmlns:a16="http://schemas.microsoft.com/office/drawing/2014/main" id="{1BD9B7C1-5860-C447-7FC6-D510200F75A2}"/>
-              </a:ext>
-            </a:extLst>
-          </p:cNvPr>
-          <p:cNvSpPr txBox="1"/>
-          <p:nvPr/>
-        </p:nvSpPr>
-        <p:spPr>
-          <a:xfrm>
-            <a:off x="354210" y="590573"/>
-            <a:ext cx="7674550" cy="492443"/>
-          </a:xfrm>
-          <a:prstGeom prst="rect">
-            <a:avLst/>
-          </a:prstGeom>
-          <a:noFill/>
-        </p:spPr>
-        <p:txBody>
-          <a:bodyPr wrap="square" lIns="0" tIns="0" rIns="0" bIns="0" rtlCol="0">
-            <a:spAutoFit/>
-          </a:bodyPr>
-          <a:lstStyle/>
-          <a:p>
-            <a:pPr>
-              <a:spcAft>
-                <a:spcPts val="600"/>
-              </a:spcAft>
-            </a:pPr>
-            <a:r>
-              <a:rPr lang="de-DE" sz="3200" dirty="0">
-                <a:solidFill>
-                  <a:schemeClr val="bg1"/>
-                </a:solidFill>
-                <a:latin typeface="+mj-lt"/>
-              </a:rPr>
-              <a:t>Helm – Chart</a:t>
-            </a:r>
-          </a:p>
-        </p:txBody>
-      </p:sp>
-      <p:sp>
-        <p:nvSpPr>
-          <p:cNvPr id="2" name="Fußzeilenplatzhalter 6">
-            <a:extLst>
-              <a:ext uri="{FF2B5EF4-FFF2-40B4-BE49-F238E27FC236}">
-                <a16:creationId xmlns:a16="http://schemas.microsoft.com/office/drawing/2014/main" id="{A0B7C6DE-253F-0374-F735-8A4174830D91}"/>
-              </a:ext>
-            </a:extLst>
-          </p:cNvPr>
-          <p:cNvSpPr>
-            <a:spLocks noGrp="1"/>
-          </p:cNvSpPr>
-          <p:nvPr>
-            <p:ph type="ftr" sz="quarter" idx="3"/>
-          </p:nvPr>
-        </p:nvSpPr>
-        <p:spPr>
-          <a:xfrm>
-            <a:off x="354210" y="301275"/>
-            <a:ext cx="5580000" cy="139611"/>
-          </a:xfrm>
-        </p:spPr>
-        <p:txBody>
-          <a:bodyPr/>
-          <a:lstStyle/>
-          <a:p>
-            <a:r>
-              <a:rPr lang="de-CH" dirty="0"/>
-              <a:t>Helm</a:t>
-            </a:r>
-          </a:p>
-        </p:txBody>
-      </p:sp>
-      <p:sp>
-        <p:nvSpPr>
-          <p:cNvPr id="12" name="Textfeld 11">
-            <a:extLst>
-              <a:ext uri="{FF2B5EF4-FFF2-40B4-BE49-F238E27FC236}">
-                <a16:creationId xmlns:a16="http://schemas.microsoft.com/office/drawing/2014/main" id="{0099B699-3AAC-986E-95BB-CA2E13FFA9E5}"/>
-              </a:ext>
-            </a:extLst>
-          </p:cNvPr>
-          <p:cNvSpPr txBox="1"/>
-          <p:nvPr/>
-        </p:nvSpPr>
-        <p:spPr>
-          <a:xfrm>
-            <a:off x="612743" y="1337150"/>
-            <a:ext cx="5448692" cy="369332"/>
-          </a:xfrm>
-          <a:prstGeom prst="rect">
-            <a:avLst/>
-          </a:prstGeom>
-          <a:noFill/>
-        </p:spPr>
-        <p:txBody>
-          <a:bodyPr wrap="square">
-            <a:spAutoFit/>
-          </a:bodyPr>
-          <a:lstStyle/>
-          <a:p>
-            <a:endParaRPr lang="de-DE" dirty="0"/>
-          </a:p>
-        </p:txBody>
-      </p:sp>
-      <p:sp>
-        <p:nvSpPr>
-          <p:cNvPr id="13" name="Rechteck 12">
-            <a:extLst>
-              <a:ext uri="{FF2B5EF4-FFF2-40B4-BE49-F238E27FC236}">
-                <a16:creationId xmlns:a16="http://schemas.microsoft.com/office/drawing/2014/main" id="{5732D903-9239-BAAE-756E-28573EF086BB}"/>
-              </a:ext>
-            </a:extLst>
-          </p:cNvPr>
-          <p:cNvSpPr/>
-          <p:nvPr/>
-        </p:nvSpPr>
-        <p:spPr>
-          <a:xfrm>
-            <a:off x="354210" y="1215935"/>
-            <a:ext cx="8432018" cy="3336992"/>
-          </a:xfrm>
-          <a:prstGeom prst="rect">
-            <a:avLst/>
-          </a:prstGeom>
-          <a:solidFill>
-            <a:schemeClr val="accent5"/>
-          </a:solidFill>
-          <a:ln>
-            <a:noFill/>
-          </a:ln>
-        </p:spPr>
-        <p:style>
-          <a:lnRef idx="2">
-            <a:schemeClr val="accent1">
-              <a:shade val="50000"/>
-            </a:schemeClr>
-          </a:lnRef>
-          <a:fillRef idx="1">
-            <a:schemeClr val="accent1"/>
-          </a:fillRef>
-          <a:effectRef idx="0">
-            <a:schemeClr val="accent1"/>
-          </a:effectRef>
-          <a:fontRef idx="minor">
-            <a:schemeClr val="lt1"/>
-          </a:fontRef>
-        </p:style>
-        <p:txBody>
-          <a:bodyPr rtlCol="0" anchor="ctr"/>
-          <a:lstStyle/>
-          <a:p>
-            <a:pPr algn="ctr"/>
-            <a:r>
-              <a:rPr lang="de-DE" dirty="0">
-                <a:solidFill>
-                  <a:schemeClr val="tx1"/>
-                </a:solidFill>
-              </a:rPr>
-              <a:t>Practice 9</a:t>
-            </a:r>
-          </a:p>
-        </p:txBody>
-      </p:sp>
-    </p:spTree>
-    <p:custDataLst>
-      <p:tags r:id="rId1"/>
-    </p:custDataLst>
-    <p:extLst>
-      <p:ext uri="{BB962C8B-B14F-4D97-AF65-F5344CB8AC3E}">
-        <p14:creationId xmlns:p14="http://schemas.microsoft.com/office/powerpoint/2010/main" val="3751852418"/>
+        <p14:creationId xmlns:p14="http://schemas.microsoft.com/office/powerpoint/2010/main" val="1128768522"/>
       </p:ext>
     </p:extLst>
   </p:cSld>
@@ -27570,14 +25512,6 @@
               <a:rPr lang="de-DE" sz="1600" dirty="0" err="1"/>
               <a:t>functions</a:t>
             </a:r>
-            <a:r>
-              <a:rPr lang="de-DE" sz="1600" dirty="0"/>
-              <a:t> and </a:t>
-            </a:r>
-            <a:r>
-              <a:rPr lang="de-DE" sz="1600" dirty="0" err="1"/>
-              <a:t>pipelines</a:t>
-            </a:r>
             <a:endParaRPr lang="de-DE" sz="1600" dirty="0"/>
           </a:p>
           <a:p>
@@ -27594,8 +25528,13 @@
             </a:pPr>
             <a:r>
               <a:rPr lang="de-DE" sz="1600" dirty="0"/>
-              <a:t>Use Pipelines</a:t>
-            </a:r>
+              <a:t>Use </a:t>
+            </a:r>
+            <a:r>
+              <a:rPr lang="de-DE" sz="1600" dirty="0" err="1"/>
+              <a:t>pipelines</a:t>
+            </a:r>
+            <a:endParaRPr lang="de-DE" sz="1600" dirty="0"/>
           </a:p>
           <a:p>
             <a:pPr marL="342900" indent="-342900">
@@ -30881,36 +28820,6 @@
 </file>
 
 <file path=ppt/tags/tag14.xml><?xml version="1.0" encoding="utf-8"?>
-<p:tagLst xmlns:a="http://schemas.openxmlformats.org/drawingml/2006/main" xmlns:r="http://schemas.openxmlformats.org/officeDocument/2006/relationships" xmlns:p="http://schemas.openxmlformats.org/presentationml/2006/main">
-  <p:tag name="OFFISYNC_SLIDE_GUID" val="c173fe11-ab39-40f2-9396-c7738e84e984"/>
-</p:tagLst>
-</file>
-
-<file path=ppt/tags/tag15.xml><?xml version="1.0" encoding="utf-8"?>
-<p:tagLst xmlns:a="http://schemas.openxmlformats.org/drawingml/2006/main" xmlns:r="http://schemas.openxmlformats.org/officeDocument/2006/relationships" xmlns:p="http://schemas.openxmlformats.org/presentationml/2006/main">
-  <p:tag name="OFFISYNC_SLIDE_GUID" val="c173fe11-ab39-40f2-9396-c7738e84e984"/>
-</p:tagLst>
-</file>
-
-<file path=ppt/tags/tag16.xml><?xml version="1.0" encoding="utf-8"?>
-<p:tagLst xmlns:a="http://schemas.openxmlformats.org/drawingml/2006/main" xmlns:r="http://schemas.openxmlformats.org/officeDocument/2006/relationships" xmlns:p="http://schemas.openxmlformats.org/presentationml/2006/main">
-  <p:tag name="OFFISYNC_SLIDE_GUID" val="c173fe11-ab39-40f2-9396-c7738e84e984"/>
-</p:tagLst>
-</file>
-
-<file path=ppt/tags/tag17.xml><?xml version="1.0" encoding="utf-8"?>
-<p:tagLst xmlns:a="http://schemas.openxmlformats.org/drawingml/2006/main" xmlns:r="http://schemas.openxmlformats.org/officeDocument/2006/relationships" xmlns:p="http://schemas.openxmlformats.org/presentationml/2006/main">
-  <p:tag name="OFFISYNC_SLIDE_GUID" val="c173fe11-ab39-40f2-9396-c7738e84e984"/>
-</p:tagLst>
-</file>
-
-<file path=ppt/tags/tag18.xml><?xml version="1.0" encoding="utf-8"?>
-<p:tagLst xmlns:a="http://schemas.openxmlformats.org/drawingml/2006/main" xmlns:r="http://schemas.openxmlformats.org/officeDocument/2006/relationships" xmlns:p="http://schemas.openxmlformats.org/presentationml/2006/main">
-  <p:tag name="OFFISYNC_SLIDE_GUID" val="c173fe11-ab39-40f2-9396-c7738e84e984"/>
-</p:tagLst>
-</file>
-
-<file path=ppt/tags/tag19.xml><?xml version="1.0" encoding="utf-8"?>
 <p:tagLst xmlns:a="http://schemas.openxmlformats.org/drawingml/2006/main" xmlns:r="http://schemas.openxmlformats.org/officeDocument/2006/relationships" xmlns:p="http://schemas.openxmlformats.org/presentationml/2006/main">
   <p:tag name="OFFISYNC_SLIDE_GUID" val="c173fe11-ab39-40f2-9396-c7738e84e984"/>
 </p:tagLst>
@@ -31765,6 +29674,56 @@
 </file>
 
 <file path=customXml/item1.xml><?xml version="1.0" encoding="utf-8"?>
+<?mso-contentType ?>
+<spe:Receivers xmlns:spe="http://schemas.microsoft.com/sharepoint/events">
+  <Receiver>
+    <Name>Document ID Generator</Name>
+    <Synchronization>Synchronous</Synchronization>
+    <Type>10001</Type>
+    <SequenceNumber>1000</SequenceNumber>
+    <Url/>
+    <Assembly>Microsoft.Office.DocumentManagement, Version=16.0.0.0, Culture=neutral, PublicKeyToken=71e9bce111e9429c</Assembly>
+    <Class>Microsoft.Office.DocumentManagement.Internal.DocIdHandler</Class>
+    <Data/>
+    <Filter/>
+  </Receiver>
+  <Receiver>
+    <Name>Document ID Generator</Name>
+    <Synchronization>Synchronous</Synchronization>
+    <Type>10002</Type>
+    <SequenceNumber>1001</SequenceNumber>
+    <Url/>
+    <Assembly>Microsoft.Office.DocumentManagement, Version=16.0.0.0, Culture=neutral, PublicKeyToken=71e9bce111e9429c</Assembly>
+    <Class>Microsoft.Office.DocumentManagement.Internal.DocIdHandler</Class>
+    <Data/>
+    <Filter/>
+  </Receiver>
+  <Receiver>
+    <Name>Document ID Generator</Name>
+    <Synchronization>Synchronous</Synchronization>
+    <Type>10004</Type>
+    <SequenceNumber>1002</SequenceNumber>
+    <Url/>
+    <Assembly>Microsoft.Office.DocumentManagement, Version=16.0.0.0, Culture=neutral, PublicKeyToken=71e9bce111e9429c</Assembly>
+    <Class>Microsoft.Office.DocumentManagement.Internal.DocIdHandler</Class>
+    <Data/>
+    <Filter/>
+  </Receiver>
+  <Receiver>
+    <Name>Document ID Generator</Name>
+    <Synchronization>Synchronous</Synchronization>
+    <Type>10006</Type>
+    <SequenceNumber>1003</SequenceNumber>
+    <Url/>
+    <Assembly>Microsoft.Office.DocumentManagement, Version=16.0.0.0, Culture=neutral, PublicKeyToken=71e9bce111e9429c</Assembly>
+    <Class>Microsoft.Office.DocumentManagement.Internal.DocIdHandler</Class>
+    <Data/>
+    <Filter/>
+  </Receiver>
+</spe:Receivers>
+</file>
+
+<file path=customXml/item2.xml><?xml version="1.0" encoding="utf-8"?>
 <p:properties xmlns:p="http://schemas.microsoft.com/office/2006/metadata/properties" xmlns:xsi="http://www.w3.org/2001/XMLSchema-instance" xmlns:pc="http://schemas.microsoft.com/office/infopath/2007/PartnerControls">
   <documentManagement>
     <_dlc_DocId xmlns="a1e95efe-86df-4da3-b0c8-298cdda2dfd0">SFQ4MUDRKEP5-84763580-1265</_dlc_DocId>
@@ -31796,7 +29755,7 @@
 </p:properties>
 </file>
 
-<file path=customXml/item2.xml><?xml version="1.0" encoding="utf-8"?>
+<file path=customXml/item3.xml><?xml version="1.0" encoding="utf-8"?>
 <ct:contentTypeSchema xmlns:ct="http://schemas.microsoft.com/office/2006/metadata/contentType" xmlns:ma="http://schemas.microsoft.com/office/2006/metadata/properties/metaAttributes" ct:_="" ma:_="" ma:contentTypeName="Document" ma:contentTypeID="0x010100BBACDC70EE213542A780121310F90B4D" ma:contentTypeVersion="19" ma:contentTypeDescription="Create a new document." ma:contentTypeScope="" ma:versionID="96a4cddeaed2fbc04d3dbf2536d6d027">
   <xsd:schema xmlns:xsd="http://www.w3.org/2001/XMLSchema" xmlns:xs="http://www.w3.org/2001/XMLSchema" xmlns:p="http://schemas.microsoft.com/office/2006/metadata/properties" xmlns:ns2="ddb30763-e857-4b34-a181-999444e36217" xmlns:ns3="a1e95efe-86df-4da3-b0c8-298cdda2dfd0" targetNamespace="http://schemas.microsoft.com/office/2006/metadata/properties" ma:root="true" ma:fieldsID="1bd6a94246a471a0fd6d21d9cd3faee5" ns2:_="" ns3:_="">
     <xsd:import namespace="ddb30763-e857-4b34-a181-999444e36217"/>
@@ -32111,7 +30070,7 @@
 </ct:contentTypeSchema>
 </file>
 
-<file path=customXml/item3.xml><?xml version="1.0" encoding="utf-8"?>
+<file path=customXml/item4.xml><?xml version="1.0" encoding="utf-8"?>
 <?mso-contentType ?>
 <FormTemplates xmlns="http://schemas.microsoft.com/sharepoint/v3/contenttype/forms">
   <Display>DocumentLibraryForm</Display>
@@ -32120,57 +30079,15 @@
 </FormTemplates>
 </file>
 
-<file path=customXml/item4.xml><?xml version="1.0" encoding="utf-8"?>
-<?mso-contentType ?>
-<spe:Receivers xmlns:spe="http://schemas.microsoft.com/sharepoint/events">
-  <Receiver>
-    <Name>Document ID Generator</Name>
-    <Synchronization>Synchronous</Synchronization>
-    <Type>10001</Type>
-    <SequenceNumber>1000</SequenceNumber>
-    <Url/>
-    <Assembly>Microsoft.Office.DocumentManagement, Version=16.0.0.0, Culture=neutral, PublicKeyToken=71e9bce111e9429c</Assembly>
-    <Class>Microsoft.Office.DocumentManagement.Internal.DocIdHandler</Class>
-    <Data/>
-    <Filter/>
-  </Receiver>
-  <Receiver>
-    <Name>Document ID Generator</Name>
-    <Synchronization>Synchronous</Synchronization>
-    <Type>10002</Type>
-    <SequenceNumber>1001</SequenceNumber>
-    <Url/>
-    <Assembly>Microsoft.Office.DocumentManagement, Version=16.0.0.0, Culture=neutral, PublicKeyToken=71e9bce111e9429c</Assembly>
-    <Class>Microsoft.Office.DocumentManagement.Internal.DocIdHandler</Class>
-    <Data/>
-    <Filter/>
-  </Receiver>
-  <Receiver>
-    <Name>Document ID Generator</Name>
-    <Synchronization>Synchronous</Synchronization>
-    <Type>10004</Type>
-    <SequenceNumber>1002</SequenceNumber>
-    <Url/>
-    <Assembly>Microsoft.Office.DocumentManagement, Version=16.0.0.0, Culture=neutral, PublicKeyToken=71e9bce111e9429c</Assembly>
-    <Class>Microsoft.Office.DocumentManagement.Internal.DocIdHandler</Class>
-    <Data/>
-    <Filter/>
-  </Receiver>
-  <Receiver>
-    <Name>Document ID Generator</Name>
-    <Synchronization>Synchronous</Synchronization>
-    <Type>10006</Type>
-    <SequenceNumber>1003</SequenceNumber>
-    <Url/>
-    <Assembly>Microsoft.Office.DocumentManagement, Version=16.0.0.0, Culture=neutral, PublicKeyToken=71e9bce111e9429c</Assembly>
-    <Class>Microsoft.Office.DocumentManagement.Internal.DocIdHandler</Class>
-    <Data/>
-    <Filter/>
-  </Receiver>
-</spe:Receivers>
+<file path=customXml/itemProps1.xml><?xml version="1.0" encoding="utf-8"?>
+<ds:datastoreItem xmlns:ds="http://schemas.openxmlformats.org/officeDocument/2006/customXml" ds:itemID="{AE97A0A0-4B8D-4C93-A874-3FB0BBB67E77}">
+  <ds:schemaRefs>
+    <ds:schemaRef ds:uri="http://schemas.microsoft.com/sharepoint/events"/>
+  </ds:schemaRefs>
+</ds:datastoreItem>
 </file>
 
-<file path=customXml/itemProps1.xml><?xml version="1.0" encoding="utf-8"?>
+<file path=customXml/itemProps2.xml><?xml version="1.0" encoding="utf-8"?>
 <ds:datastoreItem xmlns:ds="http://schemas.openxmlformats.org/officeDocument/2006/customXml" ds:itemID="{B0EE8353-6B2C-49A7-B208-EC152BAD6F4A}">
   <ds:schemaRefs>
     <ds:schemaRef ds:uri="http://schemas.openxmlformats.org/package/2006/metadata/core-properties"/>
@@ -32187,7 +30104,7 @@
 </ds:datastoreItem>
 </file>
 
-<file path=customXml/itemProps2.xml><?xml version="1.0" encoding="utf-8"?>
+<file path=customXml/itemProps3.xml><?xml version="1.0" encoding="utf-8"?>
 <ds:datastoreItem xmlns:ds="http://schemas.openxmlformats.org/officeDocument/2006/customXml" ds:itemID="{1A2A04D5-A070-4B0F-B056-1584D7321317}">
   <ds:schemaRefs>
     <ds:schemaRef ds:uri="http://schemas.microsoft.com/office/2006/metadata/contentType"/>
@@ -32206,18 +30123,10 @@
 </ds:datastoreItem>
 </file>
 
-<file path=customXml/itemProps3.xml><?xml version="1.0" encoding="utf-8"?>
+<file path=customXml/itemProps4.xml><?xml version="1.0" encoding="utf-8"?>
 <ds:datastoreItem xmlns:ds="http://schemas.openxmlformats.org/officeDocument/2006/customXml" ds:itemID="{2509DFEA-98E1-49F0-A887-A781A3FDE304}">
   <ds:schemaRefs>
     <ds:schemaRef ds:uri="http://schemas.microsoft.com/sharepoint/v3/contenttype/forms"/>
   </ds:schemaRefs>
 </ds:datastoreItem>
-</file>
-
-<file path=customXml/itemProps4.xml><?xml version="1.0" encoding="utf-8"?>
-<ds:datastoreItem xmlns:ds="http://schemas.openxmlformats.org/officeDocument/2006/customXml" ds:itemID="{AE97A0A0-4B8D-4C93-A874-3FB0BBB67E77}">
-  <ds:schemaRefs>
-    <ds:schemaRef ds:uri="http://schemas.microsoft.com/sharepoint/events"/>
-  </ds:schemaRefs>
-</ds:datastoreItem>
 </file>